--- a/about/presentation.pptx
+++ b/about/presentation.pptx
@@ -113,6 +113,11 @@
       </a:defRPr>
     </a:lvl9pPr>
   </p:defaultTextStyle>
+  <p:extLst>
+    <p:ext uri="{EFAFB233-063F-42B5-8137-9DF3F51BA10A}">
+      <p15:sldGuideLst xmlns:p15="http://schemas.microsoft.com/office/powerpoint/2012/main"/>
+    </p:ext>
+  </p:extLst>
 </p:presentation>
 </file>
 
@@ -247,7 +252,7 @@
           <a:p>
             <a:fld id="{FAE24D2C-E34F-4AE0-87E8-F5455E14F950}" type="datetimeFigureOut">
               <a:rPr lang="ru-RU" smtClean="0"/>
-              <a:t>13.04.2023</a:t>
+              <a:t>17.04.2023</a:t>
             </a:fld>
             <a:endParaRPr lang="ru-RU"/>
           </a:p>
@@ -417,7 +422,7 @@
           <a:p>
             <a:fld id="{FAE24D2C-E34F-4AE0-87E8-F5455E14F950}" type="datetimeFigureOut">
               <a:rPr lang="ru-RU" smtClean="0"/>
-              <a:t>13.04.2023</a:t>
+              <a:t>17.04.2023</a:t>
             </a:fld>
             <a:endParaRPr lang="ru-RU"/>
           </a:p>
@@ -597,7 +602,7 @@
           <a:p>
             <a:fld id="{FAE24D2C-E34F-4AE0-87E8-F5455E14F950}" type="datetimeFigureOut">
               <a:rPr lang="ru-RU" smtClean="0"/>
-              <a:t>13.04.2023</a:t>
+              <a:t>17.04.2023</a:t>
             </a:fld>
             <a:endParaRPr lang="ru-RU"/>
           </a:p>
@@ -767,7 +772,7 @@
           <a:p>
             <a:fld id="{FAE24D2C-E34F-4AE0-87E8-F5455E14F950}" type="datetimeFigureOut">
               <a:rPr lang="ru-RU" smtClean="0"/>
-              <a:t>13.04.2023</a:t>
+              <a:t>17.04.2023</a:t>
             </a:fld>
             <a:endParaRPr lang="ru-RU"/>
           </a:p>
@@ -1013,7 +1018,7 @@
           <a:p>
             <a:fld id="{FAE24D2C-E34F-4AE0-87E8-F5455E14F950}" type="datetimeFigureOut">
               <a:rPr lang="ru-RU" smtClean="0"/>
-              <a:t>13.04.2023</a:t>
+              <a:t>17.04.2023</a:t>
             </a:fld>
             <a:endParaRPr lang="ru-RU"/>
           </a:p>
@@ -1245,7 +1250,7 @@
           <a:p>
             <a:fld id="{FAE24D2C-E34F-4AE0-87E8-F5455E14F950}" type="datetimeFigureOut">
               <a:rPr lang="ru-RU" smtClean="0"/>
-              <a:t>13.04.2023</a:t>
+              <a:t>17.04.2023</a:t>
             </a:fld>
             <a:endParaRPr lang="ru-RU"/>
           </a:p>
@@ -1612,7 +1617,7 @@
           <a:p>
             <a:fld id="{FAE24D2C-E34F-4AE0-87E8-F5455E14F950}" type="datetimeFigureOut">
               <a:rPr lang="ru-RU" smtClean="0"/>
-              <a:t>13.04.2023</a:t>
+              <a:t>17.04.2023</a:t>
             </a:fld>
             <a:endParaRPr lang="ru-RU"/>
           </a:p>
@@ -1730,7 +1735,7 @@
           <a:p>
             <a:fld id="{FAE24D2C-E34F-4AE0-87E8-F5455E14F950}" type="datetimeFigureOut">
               <a:rPr lang="ru-RU" smtClean="0"/>
-              <a:t>13.04.2023</a:t>
+              <a:t>17.04.2023</a:t>
             </a:fld>
             <a:endParaRPr lang="ru-RU"/>
           </a:p>
@@ -1825,7 +1830,7 @@
           <a:p>
             <a:fld id="{FAE24D2C-E34F-4AE0-87E8-F5455E14F950}" type="datetimeFigureOut">
               <a:rPr lang="ru-RU" smtClean="0"/>
-              <a:t>13.04.2023</a:t>
+              <a:t>17.04.2023</a:t>
             </a:fld>
             <a:endParaRPr lang="ru-RU"/>
           </a:p>
@@ -2102,7 +2107,7 @@
           <a:p>
             <a:fld id="{FAE24D2C-E34F-4AE0-87E8-F5455E14F950}" type="datetimeFigureOut">
               <a:rPr lang="ru-RU" smtClean="0"/>
-              <a:t>13.04.2023</a:t>
+              <a:t>17.04.2023</a:t>
             </a:fld>
             <a:endParaRPr lang="ru-RU"/>
           </a:p>
@@ -2355,7 +2360,7 @@
           <a:p>
             <a:fld id="{FAE24D2C-E34F-4AE0-87E8-F5455E14F950}" type="datetimeFigureOut">
               <a:rPr lang="ru-RU" smtClean="0"/>
-              <a:t>13.04.2023</a:t>
+              <a:t>17.04.2023</a:t>
             </a:fld>
             <a:endParaRPr lang="ru-RU"/>
           </a:p>
@@ -2420,9 +2425,18 @@
 <p:sldMaster xmlns:a="http://schemas.openxmlformats.org/drawingml/2006/main" xmlns:r="http://schemas.openxmlformats.org/officeDocument/2006/relationships" xmlns:p="http://schemas.openxmlformats.org/presentationml/2006/main">
   <p:cSld>
     <p:bg>
-      <p:bgRef idx="1001">
-        <a:schemeClr val="bg1"/>
-      </p:bgRef>
+      <p:bgPr>
+        <a:blipFill dpi="0" rotWithShape="1">
+          <a:blip r:embed="rId13">
+            <a:lum/>
+          </a:blip>
+          <a:srcRect/>
+          <a:stretch>
+            <a:fillRect/>
+          </a:stretch>
+        </a:blipFill>
+        <a:effectLst/>
+      </p:bgPr>
     </p:bg>
     <p:spTree>
       <p:nvGrpSpPr>
@@ -2568,7 +2582,7 @@
           <a:p>
             <a:fld id="{FAE24D2C-E34F-4AE0-87E8-F5455E14F950}" type="datetimeFigureOut">
               <a:rPr lang="ru-RU" smtClean="0"/>
-              <a:t>13.04.2023</a:t>
+              <a:t>17.04.2023</a:t>
             </a:fld>
             <a:endParaRPr lang="ru-RU"/>
           </a:p>
@@ -2983,7 +2997,12 @@
             <p:ph type="ctrTitle"/>
           </p:nvPr>
         </p:nvSpPr>
-        <p:spPr/>
+        <p:spPr>
+          <a:xfrm>
+            <a:off x="1524000" y="969963"/>
+            <a:ext cx="9144000" cy="2387600"/>
+          </a:xfrm>
+        </p:spPr>
         <p:txBody>
           <a:bodyPr>
             <a:normAutofit fontScale="90000"/>
@@ -2991,24 +3010,60 @@
           <a:lstStyle/>
           <a:p>
             <a:r>
-              <a:rPr lang="ru-RU" dirty="0" smtClean="0"/>
+              <a:rPr lang="ru-RU" dirty="0" smtClean="0">
+                <a:solidFill>
+                  <a:schemeClr val="bg1"/>
+                </a:solidFill>
+                <a:latin typeface="Times New Roman" panose="02020603050405020304" pitchFamily="18" charset="0"/>
+                <a:cs typeface="Times New Roman" panose="02020603050405020304" pitchFamily="18" charset="0"/>
+              </a:rPr>
               <a:t>Проектная работа</a:t>
             </a:r>
             <a:br>
-              <a:rPr lang="ru-RU" dirty="0" smtClean="0"/>
+              <a:rPr lang="ru-RU" dirty="0" smtClean="0">
+                <a:solidFill>
+                  <a:schemeClr val="bg1"/>
+                </a:solidFill>
+                <a:latin typeface="Times New Roman" panose="02020603050405020304" pitchFamily="18" charset="0"/>
+                <a:cs typeface="Times New Roman" panose="02020603050405020304" pitchFamily="18" charset="0"/>
+              </a:rPr>
             </a:br>
             <a:r>
-              <a:rPr lang="ru-RU" dirty="0" smtClean="0"/>
+              <a:rPr lang="ru-RU" dirty="0" smtClean="0">
+                <a:solidFill>
+                  <a:schemeClr val="bg1"/>
+                </a:solidFill>
+                <a:latin typeface="Times New Roman" panose="02020603050405020304" pitchFamily="18" charset="0"/>
+                <a:cs typeface="Times New Roman" panose="02020603050405020304" pitchFamily="18" charset="0"/>
+              </a:rPr>
               <a:t>Интернет-магазин</a:t>
             </a:r>
             <a:br>
-              <a:rPr lang="ru-RU" dirty="0" smtClean="0"/>
+              <a:rPr lang="ru-RU" dirty="0" smtClean="0">
+                <a:solidFill>
+                  <a:schemeClr val="bg1"/>
+                </a:solidFill>
+                <a:latin typeface="Times New Roman" panose="02020603050405020304" pitchFamily="18" charset="0"/>
+                <a:cs typeface="Times New Roman" panose="02020603050405020304" pitchFamily="18" charset="0"/>
+              </a:rPr>
             </a:br>
             <a:r>
-              <a:rPr lang="en-US" dirty="0" smtClean="0"/>
+              <a:rPr lang="en-US" dirty="0" smtClean="0">
+                <a:solidFill>
+                  <a:schemeClr val="bg1"/>
+                </a:solidFill>
+                <a:latin typeface="Times New Roman" panose="02020603050405020304" pitchFamily="18" charset="0"/>
+                <a:cs typeface="Times New Roman" panose="02020603050405020304" pitchFamily="18" charset="0"/>
+              </a:rPr>
               <a:t>LIFESTYLE</a:t>
             </a:r>
-            <a:endParaRPr lang="ru-RU" dirty="0"/>
+            <a:endParaRPr lang="ru-RU" dirty="0">
+              <a:solidFill>
+                <a:schemeClr val="bg1"/>
+              </a:solidFill>
+              <a:latin typeface="Times New Roman" panose="02020603050405020304" pitchFamily="18" charset="0"/>
+              <a:cs typeface="Times New Roman" panose="02020603050405020304" pitchFamily="18" charset="0"/>
+            </a:endParaRPr>
           </a:p>
         </p:txBody>
       </p:sp>
@@ -3035,20 +3090,40 @@
           <a:lstStyle/>
           <a:p>
             <a:r>
+              <a:rPr lang="ru-RU" dirty="0" smtClean="0">
+                <a:solidFill>
+                  <a:schemeClr val="bg1"/>
+                </a:solidFill>
+              </a:rPr>
+              <a:t>Выполнил</a:t>
+            </a:r>
+          </a:p>
+          <a:p>
+            <a:r>
+              <a:rPr lang="ru-RU" dirty="0" err="1" smtClean="0">
+                <a:solidFill>
+                  <a:schemeClr val="bg1"/>
+                </a:solidFill>
+              </a:rPr>
+              <a:t>Митякин</a:t>
+            </a:r>
+            <a:r>
               <a:rPr lang="ru-RU" dirty="0" smtClean="0"/>
-              <a:t>Выполнил</a:t>
-            </a:r>
-          </a:p>
-          <a:p>
-            <a:r>
-              <a:rPr lang="ru-RU" dirty="0" err="1" smtClean="0"/>
-              <a:t>Митякин</a:t>
-            </a:r>
-            <a:r>
-              <a:rPr lang="ru-RU" dirty="0" smtClean="0"/>
-              <a:t> Роман</a:t>
-            </a:r>
-            <a:endParaRPr lang="ru-RU" dirty="0"/>
+              <a:t> </a:t>
+            </a:r>
+            <a:r>
+              <a:rPr lang="ru-RU" dirty="0" smtClean="0">
+                <a:solidFill>
+                  <a:schemeClr val="bg1"/>
+                </a:solidFill>
+              </a:rPr>
+              <a:t>Роман</a:t>
+            </a:r>
+            <a:endParaRPr lang="ru-RU" dirty="0">
+              <a:solidFill>
+                <a:schemeClr val="bg1"/>
+              </a:solidFill>
+            </a:endParaRPr>
           </a:p>
         </p:txBody>
       </p:sp>
@@ -3092,16 +3167,30 @@
             <p:ph type="title"/>
           </p:nvPr>
         </p:nvSpPr>
-        <p:spPr/>
-        <p:txBody>
-          <a:bodyPr/>
-          <a:lstStyle/>
-          <a:p>
-            <a:r>
-              <a:rPr lang="ru-RU" dirty="0" smtClean="0"/>
+        <p:spPr>
+          <a:xfrm>
+            <a:off x="838200" y="-253184"/>
+            <a:ext cx="10515600" cy="1325563"/>
+          </a:xfrm>
+        </p:spPr>
+        <p:txBody>
+          <a:bodyPr/>
+          <a:lstStyle/>
+          <a:p>
+            <a:pPr algn="ctr"/>
+            <a:r>
+              <a:rPr lang="ru-RU" dirty="0" smtClean="0">
+                <a:solidFill>
+                  <a:schemeClr val="bg1"/>
+                </a:solidFill>
+              </a:rPr>
               <a:t>Итог</a:t>
             </a:r>
-            <a:endParaRPr lang="ru-RU" dirty="0"/>
+            <a:endParaRPr lang="ru-RU" dirty="0">
+              <a:solidFill>
+                <a:schemeClr val="bg1"/>
+              </a:solidFill>
+            </a:endParaRPr>
           </a:p>
         </p:txBody>
       </p:sp>
@@ -3115,12 +3204,116 @@
             <p:ph idx="1"/>
           </p:nvPr>
         </p:nvSpPr>
-        <p:spPr/>
-        <p:txBody>
-          <a:bodyPr/>
-          <a:lstStyle/>
-          <a:p>
-            <a:endParaRPr lang="ru-RU"/>
+        <p:spPr>
+          <a:xfrm>
+            <a:off x="838200" y="1149531"/>
+            <a:ext cx="10515600" cy="5027432"/>
+          </a:xfrm>
+        </p:spPr>
+        <p:txBody>
+          <a:bodyPr/>
+          <a:lstStyle/>
+          <a:p>
+            <a:pPr marL="514350" indent="-514350">
+              <a:buAutoNum type="arabicPeriod"/>
+            </a:pPr>
+            <a:r>
+              <a:rPr lang="ru-RU" dirty="0" smtClean="0">
+                <a:solidFill>
+                  <a:schemeClr val="bg1"/>
+                </a:solidFill>
+              </a:rPr>
+              <a:t>Результат соответствует ТЗ</a:t>
+            </a:r>
+          </a:p>
+          <a:p>
+            <a:pPr marL="514350" indent="-514350">
+              <a:buAutoNum type="arabicPeriod"/>
+            </a:pPr>
+            <a:r>
+              <a:rPr lang="ru-RU" dirty="0" smtClean="0">
+                <a:solidFill>
+                  <a:schemeClr val="bg1"/>
+                </a:solidFill>
+              </a:rPr>
+              <a:t>Требования соблюдены</a:t>
+            </a:r>
+          </a:p>
+          <a:p>
+            <a:pPr marL="514350" indent="-514350">
+              <a:buAutoNum type="arabicPeriod"/>
+            </a:pPr>
+            <a:r>
+              <a:rPr lang="ru-RU" dirty="0" smtClean="0">
+                <a:solidFill>
+                  <a:schemeClr val="bg1"/>
+                </a:solidFill>
+              </a:rPr>
+              <a:t>Получение опыта </a:t>
+            </a:r>
+            <a:r>
+              <a:rPr lang="en-US" dirty="0" smtClean="0">
+                <a:solidFill>
+                  <a:schemeClr val="bg1"/>
+                </a:solidFill>
+              </a:rPr>
+              <a:t>backend </a:t>
+            </a:r>
+            <a:r>
+              <a:rPr lang="ru-RU" dirty="0" smtClean="0">
+                <a:solidFill>
+                  <a:schemeClr val="bg1"/>
+                </a:solidFill>
+              </a:rPr>
+              <a:t>разработки</a:t>
+            </a:r>
+          </a:p>
+          <a:p>
+            <a:pPr marL="514350" indent="-514350">
+              <a:buAutoNum type="arabicPeriod"/>
+            </a:pPr>
+            <a:r>
+              <a:rPr lang="ru-RU" dirty="0" smtClean="0">
+                <a:solidFill>
+                  <a:schemeClr val="bg1"/>
+                </a:solidFill>
+              </a:rPr>
+              <a:t>Получение опыта </a:t>
+            </a:r>
+            <a:r>
+              <a:rPr lang="en-US" dirty="0" smtClean="0">
+                <a:solidFill>
+                  <a:schemeClr val="bg1"/>
+                </a:solidFill>
+              </a:rPr>
+              <a:t>frontend </a:t>
+            </a:r>
+            <a:r>
+              <a:rPr lang="ru-RU" dirty="0" smtClean="0">
+                <a:solidFill>
+                  <a:schemeClr val="bg1"/>
+                </a:solidFill>
+              </a:rPr>
+              <a:t>разработки</a:t>
+            </a:r>
+          </a:p>
+          <a:p>
+            <a:pPr marL="514350" indent="-514350">
+              <a:buAutoNum type="arabicPeriod"/>
+            </a:pPr>
+            <a:r>
+              <a:rPr lang="ru-RU" dirty="0" smtClean="0">
+                <a:solidFill>
+                  <a:schemeClr val="bg1"/>
+                </a:solidFill>
+              </a:rPr>
+              <a:t>Реализация старой идеи</a:t>
+            </a:r>
+            <a:endParaRPr lang="ru-RU" dirty="0">
+              <a:solidFill>
+                <a:schemeClr val="bg1"/>
+              </a:solidFill>
+            </a:endParaRPr>
           </a:p>
         </p:txBody>
       </p:sp>
@@ -3169,30 +3362,311 @@
           <a:bodyPr/>
           <a:lstStyle/>
           <a:p>
+            <a:pPr algn="ctr"/>
+            <a:r>
+              <a:rPr lang="ru-RU" dirty="0" smtClean="0">
+                <a:solidFill>
+                  <a:schemeClr val="bg1"/>
+                </a:solidFill>
+              </a:rPr>
+              <a:t>Описание</a:t>
+            </a:r>
             <a:r>
               <a:rPr lang="ru-RU" dirty="0" smtClean="0"/>
-              <a:t>Описание проекта</a:t>
-            </a:r>
-            <a:endParaRPr lang="ru-RU" dirty="0"/>
-          </a:p>
-        </p:txBody>
-      </p:sp>
-      <p:sp>
-        <p:nvSpPr>
-          <p:cNvPr id="3" name="Объект 2"/>
-          <p:cNvSpPr>
-            <a:spLocks noGrp="1"/>
-          </p:cNvSpPr>
-          <p:nvPr>
-            <p:ph idx="1"/>
-          </p:nvPr>
-        </p:nvSpPr>
-        <p:spPr/>
-        <p:txBody>
-          <a:bodyPr/>
-          <a:lstStyle/>
-          <a:p>
-            <a:endParaRPr lang="ru-RU"/>
+              <a:t> </a:t>
+            </a:r>
+            <a:r>
+              <a:rPr lang="ru-RU" dirty="0" smtClean="0">
+                <a:solidFill>
+                  <a:schemeClr val="bg1"/>
+                </a:solidFill>
+              </a:rPr>
+              <a:t>проекта</a:t>
+            </a:r>
+            <a:endParaRPr lang="ru-RU" dirty="0">
+              <a:solidFill>
+                <a:schemeClr val="bg1"/>
+              </a:solidFill>
+            </a:endParaRPr>
+          </a:p>
+        </p:txBody>
+      </p:sp>
+      <p:sp>
+        <p:nvSpPr>
+          <p:cNvPr id="7" name="Объект 6"/>
+          <p:cNvSpPr>
+            <a:spLocks noGrp="1"/>
+          </p:cNvSpPr>
+          <p:nvPr>
+            <p:ph sz="half" idx="1"/>
+          </p:nvPr>
+        </p:nvSpPr>
+        <p:spPr>
+          <a:xfrm>
+            <a:off x="6477000" y="1581784"/>
+            <a:ext cx="5181600" cy="4351338"/>
+          </a:xfrm>
+        </p:spPr>
+        <p:txBody>
+          <a:bodyPr>
+            <a:normAutofit fontScale="92500"/>
+          </a:bodyPr>
+          <a:lstStyle/>
+          <a:p>
+            <a:pPr marL="0" indent="0">
+              <a:buNone/>
+            </a:pPr>
+            <a:r>
+              <a:rPr lang="ru-RU" dirty="0">
+                <a:solidFill>
+                  <a:schemeClr val="bg1"/>
+                </a:solidFill>
+              </a:rPr>
+              <a:t>LIFESTYLE - это интернет-магазин, в котором вы можете найти свой стиль и купить брендовые вещи. Наш магазин для успешных людей, которые ценят своё время и предпочитают приобретать качественную и стильную одежду на все случаи жизни. Здесь вы сможете купить новые кроссовки, стильную одежду, необходимые </a:t>
+            </a:r>
+            <a:r>
+              <a:rPr lang="ru-RU" dirty="0" err="1">
+                <a:solidFill>
+                  <a:schemeClr val="bg1"/>
+                </a:solidFill>
+              </a:rPr>
+              <a:t>акссесуары</a:t>
+            </a:r>
+            <a:r>
+              <a:rPr lang="ru-RU" dirty="0">
+                <a:solidFill>
+                  <a:schemeClr val="bg1"/>
+                </a:solidFill>
+              </a:rPr>
+              <a:t> и много другое.</a:t>
+            </a:r>
+          </a:p>
+        </p:txBody>
+      </p:sp>
+      <p:pic>
+        <p:nvPicPr>
+          <p:cNvPr id="12" name="Объект 11"/>
+          <p:cNvPicPr>
+            <a:picLocks noGrp="1" noChangeAspect="1"/>
+          </p:cNvPicPr>
+          <p:nvPr>
+            <p:ph sz="half" idx="2"/>
+          </p:nvPr>
+        </p:nvPicPr>
+        <p:blipFill>
+          <a:blip r:embed="rId2">
+            <a:extLst>
+              <a:ext uri="{28A0092B-C50C-407E-A947-70E740481C1C}">
+                <a14:useLocalDpi xmlns:a14="http://schemas.microsoft.com/office/drawing/2010/main" val="0"/>
+              </a:ext>
+            </a:extLst>
+          </a:blip>
+          <a:stretch>
+            <a:fillRect/>
+          </a:stretch>
+        </p:blipFill>
+        <p:spPr>
+          <a:xfrm>
+            <a:off x="1437958" y="1581784"/>
+            <a:ext cx="3662362" cy="3662362"/>
+          </a:xfrm>
+        </p:spPr>
+      </p:pic>
+      <p:sp>
+        <p:nvSpPr>
+          <p:cNvPr id="10" name="Объект 6"/>
+          <p:cNvSpPr txBox="1">
+            <a:spLocks/>
+          </p:cNvSpPr>
+          <p:nvPr/>
+        </p:nvSpPr>
+        <p:spPr>
+          <a:xfrm>
+            <a:off x="365760" y="1581784"/>
+            <a:ext cx="6009640" cy="4808855"/>
+          </a:xfrm>
+          <a:prstGeom prst="rect">
+            <a:avLst/>
+          </a:prstGeom>
+        </p:spPr>
+        <p:txBody>
+          <a:bodyPr vert="horz" lIns="91440" tIns="45720" rIns="91440" bIns="45720" rtlCol="0">
+            <a:normAutofit/>
+          </a:bodyPr>
+          <a:lstStyle>
+            <a:lvl1pPr marL="228600" indent="-228600" algn="l" defTabSz="914400" rtl="0" eaLnBrk="1" latinLnBrk="0" hangingPunct="1">
+              <a:lnSpc>
+                <a:spcPct val="90000"/>
+              </a:lnSpc>
+              <a:spcBef>
+                <a:spcPts val="1000"/>
+              </a:spcBef>
+              <a:buFont typeface="Arial" panose="020B0604020202020204" pitchFamily="34" charset="0"/>
+              <a:buChar char="•"/>
+              <a:defRPr sz="2800" kern="1200">
+                <a:solidFill>
+                  <a:schemeClr val="tx1"/>
+                </a:solidFill>
+                <a:latin typeface="+mn-lt"/>
+                <a:ea typeface="+mn-ea"/>
+                <a:cs typeface="+mn-cs"/>
+              </a:defRPr>
+            </a:lvl1pPr>
+            <a:lvl2pPr marL="685800" indent="-228600" algn="l" defTabSz="914400" rtl="0" eaLnBrk="1" latinLnBrk="0" hangingPunct="1">
+              <a:lnSpc>
+                <a:spcPct val="90000"/>
+              </a:lnSpc>
+              <a:spcBef>
+                <a:spcPts val="500"/>
+              </a:spcBef>
+              <a:buFont typeface="Arial" panose="020B0604020202020204" pitchFamily="34" charset="0"/>
+              <a:buChar char="•"/>
+              <a:defRPr sz="2400" kern="1200">
+                <a:solidFill>
+                  <a:schemeClr val="tx1"/>
+                </a:solidFill>
+                <a:latin typeface="+mn-lt"/>
+                <a:ea typeface="+mn-ea"/>
+                <a:cs typeface="+mn-cs"/>
+              </a:defRPr>
+            </a:lvl2pPr>
+            <a:lvl3pPr marL="1143000" indent="-228600" algn="l" defTabSz="914400" rtl="0" eaLnBrk="1" latinLnBrk="0" hangingPunct="1">
+              <a:lnSpc>
+                <a:spcPct val="90000"/>
+              </a:lnSpc>
+              <a:spcBef>
+                <a:spcPts val="500"/>
+              </a:spcBef>
+              <a:buFont typeface="Arial" panose="020B0604020202020204" pitchFamily="34" charset="0"/>
+              <a:buChar char="•"/>
+              <a:defRPr sz="2000" kern="1200">
+                <a:solidFill>
+                  <a:schemeClr val="tx1"/>
+                </a:solidFill>
+                <a:latin typeface="+mn-lt"/>
+                <a:ea typeface="+mn-ea"/>
+                <a:cs typeface="+mn-cs"/>
+              </a:defRPr>
+            </a:lvl3pPr>
+            <a:lvl4pPr marL="1600200" indent="-228600" algn="l" defTabSz="914400" rtl="0" eaLnBrk="1" latinLnBrk="0" hangingPunct="1">
+              <a:lnSpc>
+                <a:spcPct val="90000"/>
+              </a:lnSpc>
+              <a:spcBef>
+                <a:spcPts val="500"/>
+              </a:spcBef>
+              <a:buFont typeface="Arial" panose="020B0604020202020204" pitchFamily="34" charset="0"/>
+              <a:buChar char="•"/>
+              <a:defRPr sz="1800" kern="1200">
+                <a:solidFill>
+                  <a:schemeClr val="tx1"/>
+                </a:solidFill>
+                <a:latin typeface="+mn-lt"/>
+                <a:ea typeface="+mn-ea"/>
+                <a:cs typeface="+mn-cs"/>
+              </a:defRPr>
+            </a:lvl4pPr>
+            <a:lvl5pPr marL="2057400" indent="-228600" algn="l" defTabSz="914400" rtl="0" eaLnBrk="1" latinLnBrk="0" hangingPunct="1">
+              <a:lnSpc>
+                <a:spcPct val="90000"/>
+              </a:lnSpc>
+              <a:spcBef>
+                <a:spcPts val="500"/>
+              </a:spcBef>
+              <a:buFont typeface="Arial" panose="020B0604020202020204" pitchFamily="34" charset="0"/>
+              <a:buChar char="•"/>
+              <a:defRPr sz="1800" kern="1200">
+                <a:solidFill>
+                  <a:schemeClr val="tx1"/>
+                </a:solidFill>
+                <a:latin typeface="+mn-lt"/>
+                <a:ea typeface="+mn-ea"/>
+                <a:cs typeface="+mn-cs"/>
+              </a:defRPr>
+            </a:lvl5pPr>
+            <a:lvl6pPr marL="2514600" indent="-228600" algn="l" defTabSz="914400" rtl="0" eaLnBrk="1" latinLnBrk="0" hangingPunct="1">
+              <a:lnSpc>
+                <a:spcPct val="90000"/>
+              </a:lnSpc>
+              <a:spcBef>
+                <a:spcPts val="500"/>
+              </a:spcBef>
+              <a:buFont typeface="Arial" panose="020B0604020202020204" pitchFamily="34" charset="0"/>
+              <a:buChar char="•"/>
+              <a:defRPr sz="1800" kern="1200">
+                <a:solidFill>
+                  <a:schemeClr val="tx1"/>
+                </a:solidFill>
+                <a:latin typeface="+mn-lt"/>
+                <a:ea typeface="+mn-ea"/>
+                <a:cs typeface="+mn-cs"/>
+              </a:defRPr>
+            </a:lvl6pPr>
+            <a:lvl7pPr marL="2971800" indent="-228600" algn="l" defTabSz="914400" rtl="0" eaLnBrk="1" latinLnBrk="0" hangingPunct="1">
+              <a:lnSpc>
+                <a:spcPct val="90000"/>
+              </a:lnSpc>
+              <a:spcBef>
+                <a:spcPts val="500"/>
+              </a:spcBef>
+              <a:buFont typeface="Arial" panose="020B0604020202020204" pitchFamily="34" charset="0"/>
+              <a:buChar char="•"/>
+              <a:defRPr sz="1800" kern="1200">
+                <a:solidFill>
+                  <a:schemeClr val="tx1"/>
+                </a:solidFill>
+                <a:latin typeface="+mn-lt"/>
+                <a:ea typeface="+mn-ea"/>
+                <a:cs typeface="+mn-cs"/>
+              </a:defRPr>
+            </a:lvl7pPr>
+            <a:lvl8pPr marL="3429000" indent="-228600" algn="l" defTabSz="914400" rtl="0" eaLnBrk="1" latinLnBrk="0" hangingPunct="1">
+              <a:lnSpc>
+                <a:spcPct val="90000"/>
+              </a:lnSpc>
+              <a:spcBef>
+                <a:spcPts val="500"/>
+              </a:spcBef>
+              <a:buFont typeface="Arial" panose="020B0604020202020204" pitchFamily="34" charset="0"/>
+              <a:buChar char="•"/>
+              <a:defRPr sz="1800" kern="1200">
+                <a:solidFill>
+                  <a:schemeClr val="tx1"/>
+                </a:solidFill>
+                <a:latin typeface="+mn-lt"/>
+                <a:ea typeface="+mn-ea"/>
+                <a:cs typeface="+mn-cs"/>
+              </a:defRPr>
+            </a:lvl8pPr>
+            <a:lvl9pPr marL="3886200" indent="-228600" algn="l" defTabSz="914400" rtl="0" eaLnBrk="1" latinLnBrk="0" hangingPunct="1">
+              <a:lnSpc>
+                <a:spcPct val="90000"/>
+              </a:lnSpc>
+              <a:spcBef>
+                <a:spcPts val="500"/>
+              </a:spcBef>
+              <a:buFont typeface="Arial" panose="020B0604020202020204" pitchFamily="34" charset="0"/>
+              <a:buChar char="•"/>
+              <a:defRPr sz="1800" kern="1200">
+                <a:solidFill>
+                  <a:schemeClr val="tx1"/>
+                </a:solidFill>
+                <a:latin typeface="+mn-lt"/>
+                <a:ea typeface="+mn-ea"/>
+                <a:cs typeface="+mn-cs"/>
+              </a:defRPr>
+            </a:lvl9pPr>
+          </a:lstStyle>
+          <a:p>
+            <a:pPr marL="0" indent="0">
+              <a:buFont typeface="Arial" panose="020B0604020202020204" pitchFamily="34" charset="0"/>
+              <a:buNone/>
+            </a:pPr>
+            <a:endParaRPr lang="ru-RU" dirty="0">
+              <a:solidFill>
+                <a:schemeClr val="bg1"/>
+              </a:solidFill>
+            </a:endParaRPr>
           </a:p>
         </p:txBody>
       </p:sp>
@@ -3236,38 +3710,59 @@
             <p:ph type="title"/>
           </p:nvPr>
         </p:nvSpPr>
-        <p:spPr/>
-        <p:txBody>
-          <a:bodyPr/>
-          <a:lstStyle/>
-          <a:p>
-            <a:r>
-              <a:rPr lang="ru-RU" dirty="0" smtClean="0"/>
+        <p:spPr>
+          <a:xfrm>
+            <a:off x="838200" y="0"/>
+            <a:ext cx="10515600" cy="1325563"/>
+          </a:xfrm>
+        </p:spPr>
+        <p:txBody>
+          <a:bodyPr/>
+          <a:lstStyle/>
+          <a:p>
+            <a:pPr algn="ctr"/>
+            <a:r>
+              <a:rPr lang="ru-RU" dirty="0" smtClean="0">
+                <a:solidFill>
+                  <a:schemeClr val="bg1"/>
+                </a:solidFill>
+              </a:rPr>
               <a:t>Структура сайта</a:t>
             </a:r>
-            <a:endParaRPr lang="ru-RU" dirty="0"/>
-          </a:p>
-        </p:txBody>
-      </p:sp>
-      <p:sp>
-        <p:nvSpPr>
-          <p:cNvPr id="3" name="Объект 2"/>
-          <p:cNvSpPr>
-            <a:spLocks noGrp="1"/>
-          </p:cNvSpPr>
+            <a:endParaRPr lang="ru-RU" dirty="0">
+              <a:solidFill>
+                <a:schemeClr val="bg1"/>
+              </a:solidFill>
+            </a:endParaRPr>
+          </a:p>
+        </p:txBody>
+      </p:sp>
+      <p:pic>
+        <p:nvPicPr>
+          <p:cNvPr id="7" name="Объект 6"/>
+          <p:cNvPicPr>
+            <a:picLocks noGrp="1" noChangeAspect="1"/>
+          </p:cNvPicPr>
           <p:nvPr>
             <p:ph idx="1"/>
           </p:nvPr>
-        </p:nvSpPr>
-        <p:spPr/>
-        <p:txBody>
-          <a:bodyPr/>
-          <a:lstStyle/>
-          <a:p>
-            <a:endParaRPr lang="ru-RU"/>
-          </a:p>
-        </p:txBody>
-      </p:sp>
+        </p:nvPicPr>
+        <p:blipFill>
+          <a:blip r:embed="rId2"/>
+          <a:stretch>
+            <a:fillRect/>
+          </a:stretch>
+        </p:blipFill>
+        <p:spPr>
+          <a:xfrm>
+            <a:off x="1036320" y="998470"/>
+            <a:ext cx="10119360" cy="5692140"/>
+          </a:xfrm>
+          <a:prstGeom prst="rect">
+            <a:avLst/>
+          </a:prstGeom>
+        </p:spPr>
+      </p:pic>
     </p:spTree>
     <p:extLst>
       <p:ext uri="{BB962C8B-B14F-4D97-AF65-F5344CB8AC3E}">
@@ -3308,38 +3803,83 @@
             <p:ph type="title"/>
           </p:nvPr>
         </p:nvSpPr>
-        <p:spPr/>
-        <p:txBody>
-          <a:bodyPr/>
-          <a:lstStyle/>
-          <a:p>
-            <a:r>
-              <a:rPr lang="ru-RU" dirty="0" smtClean="0"/>
+        <p:spPr>
+          <a:xfrm>
+            <a:off x="838200" y="-227059"/>
+            <a:ext cx="10515600" cy="1325563"/>
+          </a:xfrm>
+        </p:spPr>
+        <p:txBody>
+          <a:bodyPr/>
+          <a:lstStyle/>
+          <a:p>
+            <a:pPr algn="ctr"/>
+            <a:r>
+              <a:rPr lang="ru-RU" dirty="0" smtClean="0">
+                <a:solidFill>
+                  <a:schemeClr val="bg1"/>
+                </a:solidFill>
+              </a:rPr>
               <a:t>Главный экран</a:t>
             </a:r>
-            <a:endParaRPr lang="ru-RU" dirty="0"/>
-          </a:p>
-        </p:txBody>
-      </p:sp>
-      <p:sp>
-        <p:nvSpPr>
-          <p:cNvPr id="3" name="Объект 2"/>
-          <p:cNvSpPr>
-            <a:spLocks noGrp="1"/>
-          </p:cNvSpPr>
+            <a:endParaRPr lang="ru-RU" dirty="0">
+              <a:solidFill>
+                <a:schemeClr val="bg1"/>
+              </a:solidFill>
+            </a:endParaRPr>
+          </a:p>
+        </p:txBody>
+      </p:sp>
+      <p:pic>
+        <p:nvPicPr>
+          <p:cNvPr id="4" name="Объект 3"/>
+          <p:cNvPicPr>
+            <a:picLocks noGrp="1" noChangeAspect="1"/>
+          </p:cNvPicPr>
           <p:nvPr>
             <p:ph idx="1"/>
           </p:nvPr>
-        </p:nvSpPr>
-        <p:spPr/>
-        <p:txBody>
-          <a:bodyPr/>
-          <a:lstStyle/>
-          <a:p>
-            <a:endParaRPr lang="ru-RU"/>
-          </a:p>
-        </p:txBody>
-      </p:sp>
+        </p:nvPicPr>
+        <p:blipFill>
+          <a:blip r:embed="rId2"/>
+          <a:stretch>
+            <a:fillRect/>
+          </a:stretch>
+        </p:blipFill>
+        <p:spPr>
+          <a:xfrm>
+            <a:off x="437887" y="992777"/>
+            <a:ext cx="6578762" cy="3700554"/>
+          </a:xfrm>
+          <a:prstGeom prst="rect">
+            <a:avLst/>
+          </a:prstGeom>
+        </p:spPr>
+      </p:pic>
+      <p:pic>
+        <p:nvPicPr>
+          <p:cNvPr id="7" name="Рисунок 6"/>
+          <p:cNvPicPr>
+            <a:picLocks noChangeAspect="1"/>
+          </p:cNvPicPr>
+          <p:nvPr/>
+        </p:nvPicPr>
+        <p:blipFill>
+          <a:blip r:embed="rId3"/>
+          <a:stretch>
+            <a:fillRect/>
+          </a:stretch>
+        </p:blipFill>
+        <p:spPr>
+          <a:xfrm>
+            <a:off x="5486402" y="2937193"/>
+            <a:ext cx="6244044" cy="3512276"/>
+          </a:xfrm>
+          <a:prstGeom prst="rect">
+            <a:avLst/>
+          </a:prstGeom>
+        </p:spPr>
+      </p:pic>
     </p:spTree>
     <p:extLst>
       <p:ext uri="{BB962C8B-B14F-4D97-AF65-F5344CB8AC3E}">
@@ -3380,35 +3920,66 @@
             <p:ph type="title"/>
           </p:nvPr>
         </p:nvSpPr>
-        <p:spPr/>
-        <p:txBody>
-          <a:bodyPr/>
-          <a:lstStyle/>
-          <a:p>
+        <p:spPr>
+          <a:xfrm>
+            <a:off x="838200" y="-322852"/>
+            <a:ext cx="10515600" cy="1325563"/>
+          </a:xfrm>
+        </p:spPr>
+        <p:txBody>
+          <a:bodyPr/>
+          <a:lstStyle/>
+          <a:p>
+            <a:pPr algn="ctr"/>
+            <a:r>
+              <a:rPr lang="ru-RU" dirty="0" smtClean="0">
+                <a:solidFill>
+                  <a:schemeClr val="bg1"/>
+                </a:solidFill>
+              </a:rPr>
+              <a:t>Профиль</a:t>
+            </a:r>
+            <a:endParaRPr lang="ru-RU" dirty="0">
+              <a:solidFill>
+                <a:schemeClr val="bg1"/>
+              </a:solidFill>
+            </a:endParaRPr>
+          </a:p>
+        </p:txBody>
+      </p:sp>
+      <p:sp>
+        <p:nvSpPr>
+          <p:cNvPr id="3" name="Объект 2"/>
+          <p:cNvSpPr>
+            <a:spLocks noGrp="1"/>
+          </p:cNvSpPr>
+          <p:nvPr>
+            <p:ph idx="1"/>
+          </p:nvPr>
+        </p:nvSpPr>
+        <p:spPr>
+          <a:xfrm>
+            <a:off x="838200" y="1515291"/>
+            <a:ext cx="10515600" cy="4661672"/>
+          </a:xfrm>
+        </p:spPr>
+        <p:txBody>
+          <a:bodyPr/>
+          <a:lstStyle/>
+          <a:p>
+            <a:pPr marL="0" indent="0">
+              <a:buNone/>
+            </a:pPr>
             <a:r>
               <a:rPr lang="ru-RU" dirty="0" smtClean="0"/>
-              <a:t>Профиль</a:t>
-            </a:r>
+              <a:t>В разработке</a:t>
+            </a:r>
+          </a:p>
+          <a:p>
+            <a:pPr marL="0" indent="0">
+              <a:buNone/>
+            </a:pPr>
             <a:endParaRPr lang="ru-RU" dirty="0"/>
-          </a:p>
-        </p:txBody>
-      </p:sp>
-      <p:sp>
-        <p:nvSpPr>
-          <p:cNvPr id="3" name="Объект 2"/>
-          <p:cNvSpPr>
-            <a:spLocks noGrp="1"/>
-          </p:cNvSpPr>
-          <p:nvPr>
-            <p:ph idx="1"/>
-          </p:nvPr>
-        </p:nvSpPr>
-        <p:spPr/>
-        <p:txBody>
-          <a:bodyPr/>
-          <a:lstStyle/>
-          <a:p>
-            <a:endParaRPr lang="ru-RU"/>
           </a:p>
         </p:txBody>
       </p:sp>
@@ -3452,38 +4023,59 @@
             <p:ph type="title"/>
           </p:nvPr>
         </p:nvSpPr>
-        <p:spPr/>
-        <p:txBody>
-          <a:bodyPr/>
-          <a:lstStyle/>
-          <a:p>
-            <a:r>
-              <a:rPr lang="ru-RU" dirty="0" smtClean="0"/>
+        <p:spPr>
+          <a:xfrm>
+            <a:off x="838200" y="-244475"/>
+            <a:ext cx="10515600" cy="1325563"/>
+          </a:xfrm>
+        </p:spPr>
+        <p:txBody>
+          <a:bodyPr/>
+          <a:lstStyle/>
+          <a:p>
+            <a:pPr algn="ctr"/>
+            <a:r>
+              <a:rPr lang="ru-RU" dirty="0" smtClean="0">
+                <a:solidFill>
+                  <a:schemeClr val="bg1"/>
+                </a:solidFill>
+              </a:rPr>
               <a:t>Страница выбора товаров</a:t>
             </a:r>
-            <a:endParaRPr lang="ru-RU" dirty="0"/>
-          </a:p>
-        </p:txBody>
-      </p:sp>
-      <p:sp>
-        <p:nvSpPr>
-          <p:cNvPr id="3" name="Объект 2"/>
-          <p:cNvSpPr>
-            <a:spLocks noGrp="1"/>
-          </p:cNvSpPr>
+            <a:endParaRPr lang="ru-RU" dirty="0">
+              <a:solidFill>
+                <a:schemeClr val="bg1"/>
+              </a:solidFill>
+            </a:endParaRPr>
+          </a:p>
+        </p:txBody>
+      </p:sp>
+      <p:pic>
+        <p:nvPicPr>
+          <p:cNvPr id="8" name="Объект 7"/>
+          <p:cNvPicPr>
+            <a:picLocks noGrp="1" noChangeAspect="1"/>
+          </p:cNvPicPr>
           <p:nvPr>
             <p:ph idx="1"/>
           </p:nvPr>
-        </p:nvSpPr>
-        <p:spPr/>
-        <p:txBody>
-          <a:bodyPr/>
-          <a:lstStyle/>
-          <a:p>
-            <a:endParaRPr lang="ru-RU"/>
-          </a:p>
-        </p:txBody>
-      </p:sp>
+        </p:nvPicPr>
+        <p:blipFill>
+          <a:blip r:embed="rId2"/>
+          <a:stretch>
+            <a:fillRect/>
+          </a:stretch>
+        </p:blipFill>
+        <p:spPr>
+          <a:xfrm>
+            <a:off x="1123406" y="977787"/>
+            <a:ext cx="9945188" cy="5594168"/>
+          </a:xfrm>
+          <a:prstGeom prst="rect">
+            <a:avLst/>
+          </a:prstGeom>
+        </p:spPr>
+      </p:pic>
     </p:spTree>
     <p:extLst>
       <p:ext uri="{BB962C8B-B14F-4D97-AF65-F5344CB8AC3E}">
@@ -3524,38 +4116,59 @@
             <p:ph type="title"/>
           </p:nvPr>
         </p:nvSpPr>
-        <p:spPr/>
-        <p:txBody>
-          <a:bodyPr/>
-          <a:lstStyle/>
-          <a:p>
-            <a:r>
-              <a:rPr lang="ru-RU" dirty="0" smtClean="0"/>
+        <p:spPr>
+          <a:xfrm>
+            <a:off x="838200" y="-218349"/>
+            <a:ext cx="10515600" cy="1325563"/>
+          </a:xfrm>
+        </p:spPr>
+        <p:txBody>
+          <a:bodyPr/>
+          <a:lstStyle/>
+          <a:p>
+            <a:pPr algn="ctr"/>
+            <a:r>
+              <a:rPr lang="ru-RU" dirty="0" smtClean="0">
+                <a:solidFill>
+                  <a:schemeClr val="bg1"/>
+                </a:solidFill>
+              </a:rPr>
               <a:t>Полная информация о товаре</a:t>
             </a:r>
-            <a:endParaRPr lang="ru-RU" dirty="0"/>
-          </a:p>
-        </p:txBody>
-      </p:sp>
-      <p:sp>
-        <p:nvSpPr>
-          <p:cNvPr id="3" name="Объект 2"/>
-          <p:cNvSpPr>
-            <a:spLocks noGrp="1"/>
-          </p:cNvSpPr>
+            <a:endParaRPr lang="ru-RU" dirty="0">
+              <a:solidFill>
+                <a:schemeClr val="bg1"/>
+              </a:solidFill>
+            </a:endParaRPr>
+          </a:p>
+        </p:txBody>
+      </p:sp>
+      <p:pic>
+        <p:nvPicPr>
+          <p:cNvPr id="4" name="Объект 3"/>
+          <p:cNvPicPr>
+            <a:picLocks noGrp="1" noChangeAspect="1"/>
+          </p:cNvPicPr>
           <p:nvPr>
             <p:ph idx="1"/>
           </p:nvPr>
-        </p:nvSpPr>
-        <p:spPr/>
-        <p:txBody>
-          <a:bodyPr/>
-          <a:lstStyle/>
-          <a:p>
-            <a:endParaRPr lang="ru-RU"/>
-          </a:p>
-        </p:txBody>
-      </p:sp>
+        </p:nvPicPr>
+        <p:blipFill>
+          <a:blip r:embed="rId2"/>
+          <a:stretch>
+            <a:fillRect/>
+          </a:stretch>
+        </p:blipFill>
+        <p:spPr>
+          <a:xfrm>
+            <a:off x="1001486" y="978876"/>
+            <a:ext cx="10189028" cy="5731328"/>
+          </a:xfrm>
+          <a:prstGeom prst="rect">
+            <a:avLst/>
+          </a:prstGeom>
+        </p:spPr>
+      </p:pic>
     </p:spTree>
     <p:extLst>
       <p:ext uri="{BB962C8B-B14F-4D97-AF65-F5344CB8AC3E}">
@@ -3596,35 +4209,56 @@
             <p:ph type="title"/>
           </p:nvPr>
         </p:nvSpPr>
+        <p:spPr>
+          <a:xfrm>
+            <a:off x="838200" y="-113846"/>
+            <a:ext cx="10515600" cy="1325563"/>
+          </a:xfrm>
+        </p:spPr>
+        <p:txBody>
+          <a:bodyPr/>
+          <a:lstStyle/>
+          <a:p>
+            <a:pPr algn="ctr"/>
+            <a:r>
+              <a:rPr lang="ru-RU" dirty="0" smtClean="0">
+                <a:solidFill>
+                  <a:schemeClr val="bg1"/>
+                </a:solidFill>
+              </a:rPr>
+              <a:t>Избранное</a:t>
+            </a:r>
+            <a:endParaRPr lang="ru-RU" dirty="0">
+              <a:solidFill>
+                <a:schemeClr val="bg1"/>
+              </a:solidFill>
+            </a:endParaRPr>
+          </a:p>
+        </p:txBody>
+      </p:sp>
+      <p:sp>
+        <p:nvSpPr>
+          <p:cNvPr id="3" name="Объект 2"/>
+          <p:cNvSpPr>
+            <a:spLocks noGrp="1"/>
+          </p:cNvSpPr>
+          <p:nvPr>
+            <p:ph idx="1"/>
+          </p:nvPr>
+        </p:nvSpPr>
         <p:spPr/>
         <p:txBody>
           <a:bodyPr/>
           <a:lstStyle/>
           <a:p>
+            <a:pPr marL="0" indent="0">
+              <a:buNone/>
+            </a:pPr>
             <a:r>
               <a:rPr lang="ru-RU" dirty="0" smtClean="0"/>
-              <a:t>Избранное</a:t>
+              <a:t>В разработке</a:t>
             </a:r>
             <a:endParaRPr lang="ru-RU" dirty="0"/>
-          </a:p>
-        </p:txBody>
-      </p:sp>
-      <p:sp>
-        <p:nvSpPr>
-          <p:cNvPr id="3" name="Объект 2"/>
-          <p:cNvSpPr>
-            <a:spLocks noGrp="1"/>
-          </p:cNvSpPr>
-          <p:nvPr>
-            <p:ph idx="1"/>
-          </p:nvPr>
-        </p:nvSpPr>
-        <p:spPr/>
-        <p:txBody>
-          <a:bodyPr/>
-          <a:lstStyle/>
-          <a:p>
-            <a:endParaRPr lang="ru-RU"/>
           </a:p>
         </p:txBody>
       </p:sp>
@@ -3668,38 +4302,59 @@
             <p:ph type="title"/>
           </p:nvPr>
         </p:nvSpPr>
-        <p:spPr/>
-        <p:txBody>
-          <a:bodyPr/>
-          <a:lstStyle/>
-          <a:p>
-            <a:r>
-              <a:rPr lang="ru-RU" dirty="0" smtClean="0"/>
+        <p:spPr>
+          <a:xfrm>
+            <a:off x="838200" y="-305435"/>
+            <a:ext cx="10515600" cy="1325563"/>
+          </a:xfrm>
+        </p:spPr>
+        <p:txBody>
+          <a:bodyPr/>
+          <a:lstStyle/>
+          <a:p>
+            <a:pPr algn="ctr"/>
+            <a:r>
+              <a:rPr lang="ru-RU" dirty="0" smtClean="0">
+                <a:solidFill>
+                  <a:schemeClr val="bg1"/>
+                </a:solidFill>
+              </a:rPr>
               <a:t>Корзина</a:t>
             </a:r>
-            <a:endParaRPr lang="ru-RU" dirty="0"/>
-          </a:p>
-        </p:txBody>
-      </p:sp>
-      <p:sp>
-        <p:nvSpPr>
-          <p:cNvPr id="3" name="Объект 2"/>
-          <p:cNvSpPr>
-            <a:spLocks noGrp="1"/>
-          </p:cNvSpPr>
+            <a:endParaRPr lang="ru-RU" dirty="0">
+              <a:solidFill>
+                <a:schemeClr val="bg1"/>
+              </a:solidFill>
+            </a:endParaRPr>
+          </a:p>
+        </p:txBody>
+      </p:sp>
+      <p:pic>
+        <p:nvPicPr>
+          <p:cNvPr id="4" name="Объект 3"/>
+          <p:cNvPicPr>
+            <a:picLocks noGrp="1" noChangeAspect="1"/>
+          </p:cNvPicPr>
           <p:nvPr>
             <p:ph idx="1"/>
           </p:nvPr>
-        </p:nvSpPr>
-        <p:spPr/>
-        <p:txBody>
-          <a:bodyPr/>
-          <a:lstStyle/>
-          <a:p>
-            <a:endParaRPr lang="ru-RU"/>
-          </a:p>
-        </p:txBody>
-      </p:sp>
+        </p:nvPicPr>
+        <p:blipFill>
+          <a:blip r:embed="rId2"/>
+          <a:stretch>
+            <a:fillRect/>
+          </a:stretch>
+        </p:blipFill>
+        <p:spPr>
+          <a:xfrm>
+            <a:off x="1085506" y="836023"/>
+            <a:ext cx="10020988" cy="5636806"/>
+          </a:xfrm>
+          <a:prstGeom prst="rect">
+            <a:avLst/>
+          </a:prstGeom>
+        </p:spPr>
+      </p:pic>
     </p:spTree>
     <p:extLst>
       <p:ext uri="{BB962C8B-B14F-4D97-AF65-F5344CB8AC3E}">

--- a/about/presentation.pptx
+++ b/about/presentation.pptx
@@ -7,14 +7,18 @@
   <p:sldIdLst>
     <p:sldId id="256" r:id="rId2"/>
     <p:sldId id="257" r:id="rId3"/>
-    <p:sldId id="258" r:id="rId4"/>
-    <p:sldId id="259" r:id="rId5"/>
-    <p:sldId id="260" r:id="rId6"/>
-    <p:sldId id="261" r:id="rId7"/>
-    <p:sldId id="262" r:id="rId8"/>
-    <p:sldId id="263" r:id="rId9"/>
-    <p:sldId id="264" r:id="rId10"/>
-    <p:sldId id="265" r:id="rId11"/>
+    <p:sldId id="268" r:id="rId4"/>
+    <p:sldId id="258" r:id="rId5"/>
+    <p:sldId id="266" r:id="rId6"/>
+    <p:sldId id="269" r:id="rId7"/>
+    <p:sldId id="259" r:id="rId8"/>
+    <p:sldId id="260" r:id="rId9"/>
+    <p:sldId id="267" r:id="rId10"/>
+    <p:sldId id="261" r:id="rId11"/>
+    <p:sldId id="262" r:id="rId12"/>
+    <p:sldId id="263" r:id="rId13"/>
+    <p:sldId id="264" r:id="rId14"/>
+    <p:sldId id="265" r:id="rId15"/>
   </p:sldIdLst>
   <p:sldSz cx="12192000" cy="6858000"/>
   <p:notesSz cx="6858000" cy="9144000"/>
@@ -252,7 +256,7 @@
           <a:p>
             <a:fld id="{FAE24D2C-E34F-4AE0-87E8-F5455E14F950}" type="datetimeFigureOut">
               <a:rPr lang="ru-RU" smtClean="0"/>
-              <a:t>17.04.2023</a:t>
+              <a:t>23.04.2023</a:t>
             </a:fld>
             <a:endParaRPr lang="ru-RU"/>
           </a:p>
@@ -422,7 +426,7 @@
           <a:p>
             <a:fld id="{FAE24D2C-E34F-4AE0-87E8-F5455E14F950}" type="datetimeFigureOut">
               <a:rPr lang="ru-RU" smtClean="0"/>
-              <a:t>17.04.2023</a:t>
+              <a:t>23.04.2023</a:t>
             </a:fld>
             <a:endParaRPr lang="ru-RU"/>
           </a:p>
@@ -602,7 +606,7 @@
           <a:p>
             <a:fld id="{FAE24D2C-E34F-4AE0-87E8-F5455E14F950}" type="datetimeFigureOut">
               <a:rPr lang="ru-RU" smtClean="0"/>
-              <a:t>17.04.2023</a:t>
+              <a:t>23.04.2023</a:t>
             </a:fld>
             <a:endParaRPr lang="ru-RU"/>
           </a:p>
@@ -772,7 +776,7 @@
           <a:p>
             <a:fld id="{FAE24D2C-E34F-4AE0-87E8-F5455E14F950}" type="datetimeFigureOut">
               <a:rPr lang="ru-RU" smtClean="0"/>
-              <a:t>17.04.2023</a:t>
+              <a:t>23.04.2023</a:t>
             </a:fld>
             <a:endParaRPr lang="ru-RU"/>
           </a:p>
@@ -1018,7 +1022,7 @@
           <a:p>
             <a:fld id="{FAE24D2C-E34F-4AE0-87E8-F5455E14F950}" type="datetimeFigureOut">
               <a:rPr lang="ru-RU" smtClean="0"/>
-              <a:t>17.04.2023</a:t>
+              <a:t>23.04.2023</a:t>
             </a:fld>
             <a:endParaRPr lang="ru-RU"/>
           </a:p>
@@ -1250,7 +1254,7 @@
           <a:p>
             <a:fld id="{FAE24D2C-E34F-4AE0-87E8-F5455E14F950}" type="datetimeFigureOut">
               <a:rPr lang="ru-RU" smtClean="0"/>
-              <a:t>17.04.2023</a:t>
+              <a:t>23.04.2023</a:t>
             </a:fld>
             <a:endParaRPr lang="ru-RU"/>
           </a:p>
@@ -1617,7 +1621,7 @@
           <a:p>
             <a:fld id="{FAE24D2C-E34F-4AE0-87E8-F5455E14F950}" type="datetimeFigureOut">
               <a:rPr lang="ru-RU" smtClean="0"/>
-              <a:t>17.04.2023</a:t>
+              <a:t>23.04.2023</a:t>
             </a:fld>
             <a:endParaRPr lang="ru-RU"/>
           </a:p>
@@ -1735,7 +1739,7 @@
           <a:p>
             <a:fld id="{FAE24D2C-E34F-4AE0-87E8-F5455E14F950}" type="datetimeFigureOut">
               <a:rPr lang="ru-RU" smtClean="0"/>
-              <a:t>17.04.2023</a:t>
+              <a:t>23.04.2023</a:t>
             </a:fld>
             <a:endParaRPr lang="ru-RU"/>
           </a:p>
@@ -1830,7 +1834,7 @@
           <a:p>
             <a:fld id="{FAE24D2C-E34F-4AE0-87E8-F5455E14F950}" type="datetimeFigureOut">
               <a:rPr lang="ru-RU" smtClean="0"/>
-              <a:t>17.04.2023</a:t>
+              <a:t>23.04.2023</a:t>
             </a:fld>
             <a:endParaRPr lang="ru-RU"/>
           </a:p>
@@ -2107,7 +2111,7 @@
           <a:p>
             <a:fld id="{FAE24D2C-E34F-4AE0-87E8-F5455E14F950}" type="datetimeFigureOut">
               <a:rPr lang="ru-RU" smtClean="0"/>
-              <a:t>17.04.2023</a:t>
+              <a:t>23.04.2023</a:t>
             </a:fld>
             <a:endParaRPr lang="ru-RU"/>
           </a:p>
@@ -2360,7 +2364,7 @@
           <a:p>
             <a:fld id="{FAE24D2C-E34F-4AE0-87E8-F5455E14F950}" type="datetimeFigureOut">
               <a:rPr lang="ru-RU" smtClean="0"/>
-              <a:t>17.04.2023</a:t>
+              <a:t>23.04.2023</a:t>
             </a:fld>
             <a:endParaRPr lang="ru-RU"/>
           </a:p>
@@ -2582,7 +2586,7 @@
           <a:p>
             <a:fld id="{FAE24D2C-E34F-4AE0-87E8-F5455E14F950}" type="datetimeFigureOut">
               <a:rPr lang="ru-RU" smtClean="0"/>
-              <a:t>17.04.2023</a:t>
+              <a:t>23.04.2023</a:t>
             </a:fld>
             <a:endParaRPr lang="ru-RU"/>
           </a:p>
@@ -3169,7 +3173,7 @@
         </p:nvSpPr>
         <p:spPr>
           <a:xfrm>
-            <a:off x="838200" y="-253184"/>
+            <a:off x="838200" y="-244475"/>
             <a:ext cx="10515600" cy="1325563"/>
           </a:xfrm>
         </p:spPr>
@@ -3184,7 +3188,7 @@
                   <a:schemeClr val="bg1"/>
                 </a:solidFill>
               </a:rPr>
-              <a:t>Итог</a:t>
+              <a:t>Страница выбора товаров</a:t>
             </a:r>
             <a:endParaRPr lang="ru-RU" dirty="0">
               <a:solidFill>
@@ -3194,6 +3198,192 @@
           </a:p>
         </p:txBody>
       </p:sp>
+      <p:pic>
+        <p:nvPicPr>
+          <p:cNvPr id="8" name="Объект 7"/>
+          <p:cNvPicPr>
+            <a:picLocks noGrp="1" noChangeAspect="1"/>
+          </p:cNvPicPr>
+          <p:nvPr>
+            <p:ph idx="1"/>
+          </p:nvPr>
+        </p:nvPicPr>
+        <p:blipFill>
+          <a:blip r:embed="rId2"/>
+          <a:stretch>
+            <a:fillRect/>
+          </a:stretch>
+        </p:blipFill>
+        <p:spPr>
+          <a:xfrm>
+            <a:off x="1123406" y="977787"/>
+            <a:ext cx="9945188" cy="5594168"/>
+          </a:xfrm>
+          <a:prstGeom prst="rect">
+            <a:avLst/>
+          </a:prstGeom>
+        </p:spPr>
+      </p:pic>
+    </p:spTree>
+    <p:extLst>
+      <p:ext uri="{BB962C8B-B14F-4D97-AF65-F5344CB8AC3E}">
+        <p14:creationId xmlns:p14="http://schemas.microsoft.com/office/powerpoint/2010/main" val="416182151"/>
+      </p:ext>
+    </p:extLst>
+  </p:cSld>
+  <p:clrMapOvr>
+    <a:masterClrMapping/>
+  </p:clrMapOvr>
+</p:sld>
+</file>
+
+<file path=ppt/slides/slide11.xml><?xml version="1.0" encoding="utf-8"?>
+<p:sld xmlns:a="http://schemas.openxmlformats.org/drawingml/2006/main" xmlns:r="http://schemas.openxmlformats.org/officeDocument/2006/relationships" xmlns:p="http://schemas.openxmlformats.org/presentationml/2006/main">
+  <p:cSld>
+    <p:spTree>
+      <p:nvGrpSpPr>
+        <p:cNvPr id="1" name=""/>
+        <p:cNvGrpSpPr/>
+        <p:nvPr/>
+      </p:nvGrpSpPr>
+      <p:grpSpPr>
+        <a:xfrm>
+          <a:off x="0" y="0"/>
+          <a:ext cx="0" cy="0"/>
+          <a:chOff x="0" y="0"/>
+          <a:chExt cx="0" cy="0"/>
+        </a:xfrm>
+      </p:grpSpPr>
+      <p:sp>
+        <p:nvSpPr>
+          <p:cNvPr id="2" name="Заголовок 1"/>
+          <p:cNvSpPr>
+            <a:spLocks noGrp="1"/>
+          </p:cNvSpPr>
+          <p:nvPr>
+            <p:ph type="title"/>
+          </p:nvPr>
+        </p:nvSpPr>
+        <p:spPr>
+          <a:xfrm>
+            <a:off x="838200" y="-218349"/>
+            <a:ext cx="10515600" cy="1325563"/>
+          </a:xfrm>
+        </p:spPr>
+        <p:txBody>
+          <a:bodyPr/>
+          <a:lstStyle/>
+          <a:p>
+            <a:pPr algn="ctr"/>
+            <a:r>
+              <a:rPr lang="ru-RU" dirty="0" smtClean="0">
+                <a:solidFill>
+                  <a:schemeClr val="bg1"/>
+                </a:solidFill>
+              </a:rPr>
+              <a:t>Полная информация о товаре</a:t>
+            </a:r>
+            <a:endParaRPr lang="ru-RU" dirty="0">
+              <a:solidFill>
+                <a:schemeClr val="bg1"/>
+              </a:solidFill>
+            </a:endParaRPr>
+          </a:p>
+        </p:txBody>
+      </p:sp>
+      <p:pic>
+        <p:nvPicPr>
+          <p:cNvPr id="4" name="Объект 3"/>
+          <p:cNvPicPr>
+            <a:picLocks noGrp="1" noChangeAspect="1"/>
+          </p:cNvPicPr>
+          <p:nvPr>
+            <p:ph idx="1"/>
+          </p:nvPr>
+        </p:nvPicPr>
+        <p:blipFill>
+          <a:blip r:embed="rId2"/>
+          <a:stretch>
+            <a:fillRect/>
+          </a:stretch>
+        </p:blipFill>
+        <p:spPr>
+          <a:xfrm>
+            <a:off x="1001486" y="978876"/>
+            <a:ext cx="10189028" cy="5731328"/>
+          </a:xfrm>
+          <a:prstGeom prst="rect">
+            <a:avLst/>
+          </a:prstGeom>
+        </p:spPr>
+      </p:pic>
+    </p:spTree>
+    <p:extLst>
+      <p:ext uri="{BB962C8B-B14F-4D97-AF65-F5344CB8AC3E}">
+        <p14:creationId xmlns:p14="http://schemas.microsoft.com/office/powerpoint/2010/main" val="2349777655"/>
+      </p:ext>
+    </p:extLst>
+  </p:cSld>
+  <p:clrMapOvr>
+    <a:masterClrMapping/>
+  </p:clrMapOvr>
+</p:sld>
+</file>
+
+<file path=ppt/slides/slide12.xml><?xml version="1.0" encoding="utf-8"?>
+<p:sld xmlns:a="http://schemas.openxmlformats.org/drawingml/2006/main" xmlns:r="http://schemas.openxmlformats.org/officeDocument/2006/relationships" xmlns:p="http://schemas.openxmlformats.org/presentationml/2006/main">
+  <p:cSld>
+    <p:spTree>
+      <p:nvGrpSpPr>
+        <p:cNvPr id="1" name=""/>
+        <p:cNvGrpSpPr/>
+        <p:nvPr/>
+      </p:nvGrpSpPr>
+      <p:grpSpPr>
+        <a:xfrm>
+          <a:off x="0" y="0"/>
+          <a:ext cx="0" cy="0"/>
+          <a:chOff x="0" y="0"/>
+          <a:chExt cx="0" cy="0"/>
+        </a:xfrm>
+      </p:grpSpPr>
+      <p:sp>
+        <p:nvSpPr>
+          <p:cNvPr id="2" name="Заголовок 1"/>
+          <p:cNvSpPr>
+            <a:spLocks noGrp="1"/>
+          </p:cNvSpPr>
+          <p:nvPr>
+            <p:ph type="title"/>
+          </p:nvPr>
+        </p:nvSpPr>
+        <p:spPr>
+          <a:xfrm>
+            <a:off x="838200" y="-113846"/>
+            <a:ext cx="10515600" cy="1325563"/>
+          </a:xfrm>
+        </p:spPr>
+        <p:txBody>
+          <a:bodyPr/>
+          <a:lstStyle/>
+          <a:p>
+            <a:pPr algn="ctr"/>
+            <a:r>
+              <a:rPr lang="ru-RU" dirty="0" smtClean="0">
+                <a:solidFill>
+                  <a:schemeClr val="bg1"/>
+                </a:solidFill>
+              </a:rPr>
+              <a:t>Избранное</a:t>
+            </a:r>
+            <a:endParaRPr lang="ru-RU" dirty="0">
+              <a:solidFill>
+                <a:schemeClr val="bg1"/>
+              </a:solidFill>
+            </a:endParaRPr>
+          </a:p>
+        </p:txBody>
+      </p:sp>
       <p:sp>
         <p:nvSpPr>
           <p:cNvPr id="3" name="Объект 2"/>
@@ -3204,9 +3394,243 @@
             <p:ph idx="1"/>
           </p:nvPr>
         </p:nvSpPr>
-        <p:spPr>
-          <a:xfrm>
-            <a:off x="838200" y="1149531"/>
+        <p:spPr/>
+        <p:txBody>
+          <a:bodyPr/>
+          <a:lstStyle/>
+          <a:p>
+            <a:pPr marL="0" indent="0">
+              <a:buNone/>
+            </a:pPr>
+            <a:r>
+              <a:rPr lang="en-US" dirty="0" smtClean="0"/>
+              <a:t> </a:t>
+            </a:r>
+            <a:endParaRPr lang="ru-RU" dirty="0"/>
+          </a:p>
+        </p:txBody>
+      </p:sp>
+      <p:pic>
+        <p:nvPicPr>
+          <p:cNvPr id="4" name="Рисунок 3"/>
+          <p:cNvPicPr>
+            <a:picLocks noChangeAspect="1"/>
+          </p:cNvPicPr>
+          <p:nvPr/>
+        </p:nvPicPr>
+        <p:blipFill>
+          <a:blip r:embed="rId2"/>
+          <a:stretch>
+            <a:fillRect/>
+          </a:stretch>
+        </p:blipFill>
+        <p:spPr>
+          <a:xfrm>
+            <a:off x="1402079" y="1062037"/>
+            <a:ext cx="9596846" cy="5398226"/>
+          </a:xfrm>
+          <a:prstGeom prst="rect">
+            <a:avLst/>
+          </a:prstGeom>
+        </p:spPr>
+      </p:pic>
+    </p:spTree>
+    <p:extLst>
+      <p:ext uri="{BB962C8B-B14F-4D97-AF65-F5344CB8AC3E}">
+        <p14:creationId xmlns:p14="http://schemas.microsoft.com/office/powerpoint/2010/main" val="998200830"/>
+      </p:ext>
+    </p:extLst>
+  </p:cSld>
+  <p:clrMapOvr>
+    <a:masterClrMapping/>
+  </p:clrMapOvr>
+</p:sld>
+</file>
+
+<file path=ppt/slides/slide13.xml><?xml version="1.0" encoding="utf-8"?>
+<p:sld xmlns:a="http://schemas.openxmlformats.org/drawingml/2006/main" xmlns:r="http://schemas.openxmlformats.org/officeDocument/2006/relationships" xmlns:p="http://schemas.openxmlformats.org/presentationml/2006/main">
+  <p:cSld>
+    <p:spTree>
+      <p:nvGrpSpPr>
+        <p:cNvPr id="1" name=""/>
+        <p:cNvGrpSpPr/>
+        <p:nvPr/>
+      </p:nvGrpSpPr>
+      <p:grpSpPr>
+        <a:xfrm>
+          <a:off x="0" y="0"/>
+          <a:ext cx="0" cy="0"/>
+          <a:chOff x="0" y="0"/>
+          <a:chExt cx="0" cy="0"/>
+        </a:xfrm>
+      </p:grpSpPr>
+      <p:sp>
+        <p:nvSpPr>
+          <p:cNvPr id="2" name="Заголовок 1"/>
+          <p:cNvSpPr>
+            <a:spLocks noGrp="1"/>
+          </p:cNvSpPr>
+          <p:nvPr>
+            <p:ph type="title"/>
+          </p:nvPr>
+        </p:nvSpPr>
+        <p:spPr>
+          <a:xfrm>
+            <a:off x="838200" y="-305435"/>
+            <a:ext cx="10515600" cy="1325563"/>
+          </a:xfrm>
+        </p:spPr>
+        <p:txBody>
+          <a:bodyPr/>
+          <a:lstStyle/>
+          <a:p>
+            <a:pPr algn="ctr"/>
+            <a:r>
+              <a:rPr lang="ru-RU" dirty="0" smtClean="0">
+                <a:solidFill>
+                  <a:schemeClr val="bg1"/>
+                </a:solidFill>
+              </a:rPr>
+              <a:t>Корзина</a:t>
+            </a:r>
+            <a:endParaRPr lang="ru-RU" dirty="0">
+              <a:solidFill>
+                <a:schemeClr val="bg1"/>
+              </a:solidFill>
+            </a:endParaRPr>
+          </a:p>
+        </p:txBody>
+      </p:sp>
+      <p:pic>
+        <p:nvPicPr>
+          <p:cNvPr id="5" name="Рисунок 4"/>
+          <p:cNvPicPr>
+            <a:picLocks noChangeAspect="1"/>
+          </p:cNvPicPr>
+          <p:nvPr/>
+        </p:nvPicPr>
+        <p:blipFill>
+          <a:blip r:embed="rId2"/>
+          <a:stretch>
+            <a:fillRect/>
+          </a:stretch>
+        </p:blipFill>
+        <p:spPr>
+          <a:xfrm>
+            <a:off x="1318138" y="888274"/>
+            <a:ext cx="9956320" cy="5600430"/>
+          </a:xfrm>
+          <a:prstGeom prst="rect">
+            <a:avLst/>
+          </a:prstGeom>
+        </p:spPr>
+      </p:pic>
+      <p:sp>
+        <p:nvSpPr>
+          <p:cNvPr id="6" name="Объект 5"/>
+          <p:cNvSpPr>
+            <a:spLocks noGrp="1"/>
+          </p:cNvSpPr>
+          <p:nvPr>
+            <p:ph idx="1"/>
+          </p:nvPr>
+        </p:nvSpPr>
+        <p:spPr/>
+        <p:txBody>
+          <a:bodyPr/>
+          <a:lstStyle/>
+          <a:p>
+            <a:pPr marL="0" indent="0">
+              <a:buNone/>
+            </a:pPr>
+            <a:r>
+              <a:rPr lang="ru-RU" dirty="0" smtClean="0"/>
+              <a:t> </a:t>
+            </a:r>
+            <a:endParaRPr lang="ru-RU" dirty="0"/>
+          </a:p>
+        </p:txBody>
+      </p:sp>
+    </p:spTree>
+    <p:extLst>
+      <p:ext uri="{BB962C8B-B14F-4D97-AF65-F5344CB8AC3E}">
+        <p14:creationId xmlns:p14="http://schemas.microsoft.com/office/powerpoint/2010/main" val="2592741497"/>
+      </p:ext>
+    </p:extLst>
+  </p:cSld>
+  <p:clrMapOvr>
+    <a:masterClrMapping/>
+  </p:clrMapOvr>
+</p:sld>
+</file>
+
+<file path=ppt/slides/slide14.xml><?xml version="1.0" encoding="utf-8"?>
+<p:sld xmlns:a="http://schemas.openxmlformats.org/drawingml/2006/main" xmlns:r="http://schemas.openxmlformats.org/officeDocument/2006/relationships" xmlns:p="http://schemas.openxmlformats.org/presentationml/2006/main">
+  <p:cSld>
+    <p:spTree>
+      <p:nvGrpSpPr>
+        <p:cNvPr id="1" name=""/>
+        <p:cNvGrpSpPr/>
+        <p:nvPr/>
+      </p:nvGrpSpPr>
+      <p:grpSpPr>
+        <a:xfrm>
+          <a:off x="0" y="0"/>
+          <a:ext cx="0" cy="0"/>
+          <a:chOff x="0" y="0"/>
+          <a:chExt cx="0" cy="0"/>
+        </a:xfrm>
+      </p:grpSpPr>
+      <p:sp>
+        <p:nvSpPr>
+          <p:cNvPr id="2" name="Заголовок 1"/>
+          <p:cNvSpPr>
+            <a:spLocks noGrp="1"/>
+          </p:cNvSpPr>
+          <p:nvPr>
+            <p:ph type="title"/>
+          </p:nvPr>
+        </p:nvSpPr>
+        <p:spPr>
+          <a:xfrm>
+            <a:off x="838200" y="-253184"/>
+            <a:ext cx="10515600" cy="1325563"/>
+          </a:xfrm>
+        </p:spPr>
+        <p:txBody>
+          <a:bodyPr/>
+          <a:lstStyle/>
+          <a:p>
+            <a:pPr algn="ctr"/>
+            <a:r>
+              <a:rPr lang="ru-RU" dirty="0" smtClean="0">
+                <a:solidFill>
+                  <a:schemeClr val="bg1"/>
+                </a:solidFill>
+              </a:rPr>
+              <a:t>Итог</a:t>
+            </a:r>
+            <a:endParaRPr lang="ru-RU" dirty="0">
+              <a:solidFill>
+                <a:schemeClr val="bg1"/>
+              </a:solidFill>
+            </a:endParaRPr>
+          </a:p>
+        </p:txBody>
+      </p:sp>
+      <p:sp>
+        <p:nvSpPr>
+          <p:cNvPr id="3" name="Объект 2"/>
+          <p:cNvSpPr>
+            <a:spLocks noGrp="1"/>
+          </p:cNvSpPr>
+          <p:nvPr>
+            <p:ph idx="1"/>
+          </p:nvPr>
+        </p:nvSpPr>
+        <p:spPr>
+          <a:xfrm>
+            <a:off x="892629" y="1149531"/>
             <a:ext cx="10515600" cy="5027432"/>
           </a:xfrm>
         </p:spPr>
@@ -3214,22 +3638,50 @@
           <a:bodyPr/>
           <a:lstStyle/>
           <a:p>
-            <a:pPr marL="514350" indent="-514350">
+            <a:pPr marL="514350" indent="-514350" algn="ctr">
               <a:buAutoNum type="arabicPeriod"/>
             </a:pPr>
-            <a:r>
-              <a:rPr lang="ru-RU" dirty="0" smtClean="0">
-                <a:solidFill>
-                  <a:schemeClr val="bg1"/>
-                </a:solidFill>
-              </a:rPr>
-              <a:t>Результат соответствует ТЗ</a:t>
-            </a:r>
-          </a:p>
-          <a:p>
-            <a:pPr marL="514350" indent="-514350">
+            <a:endParaRPr lang="en-US" dirty="0" smtClean="0">
+              <a:solidFill>
+                <a:schemeClr val="bg1"/>
+              </a:solidFill>
+            </a:endParaRPr>
+          </a:p>
+          <a:p>
+            <a:pPr marL="514350" indent="-514350" algn="ctr">
               <a:buAutoNum type="arabicPeriod"/>
             </a:pPr>
+            <a:endParaRPr lang="en-US" dirty="0">
+              <a:solidFill>
+                <a:schemeClr val="bg1"/>
+              </a:solidFill>
+            </a:endParaRPr>
+          </a:p>
+          <a:p>
+            <a:pPr marL="514350" indent="-514350" algn="ctr">
+              <a:buAutoNum type="arabicPeriod"/>
+            </a:pPr>
+            <a:r>
+              <a:rPr lang="ru-RU" dirty="0" smtClean="0">
+                <a:solidFill>
+                  <a:schemeClr val="bg1"/>
+                </a:solidFill>
+              </a:rPr>
+              <a:t>Результат </a:t>
+            </a:r>
+            <a:r>
+              <a:rPr lang="ru-RU" dirty="0" smtClean="0">
+                <a:solidFill>
+                  <a:schemeClr val="bg1"/>
+                </a:solidFill>
+              </a:rPr>
+              <a:t>соответствует ТЗ</a:t>
+            </a:r>
+          </a:p>
+          <a:p>
+            <a:pPr marL="514350" indent="-514350" algn="ctr">
+              <a:buAutoNum type="arabicPeriod"/>
+            </a:pPr>
             <a:r>
               <a:rPr lang="ru-RU" dirty="0" smtClean="0">
                 <a:solidFill>
@@ -3240,7 +3692,7 @@
             </a:r>
           </a:p>
           <a:p>
-            <a:pPr marL="514350" indent="-514350">
+            <a:pPr marL="514350" indent="-514350" algn="ctr">
               <a:buAutoNum type="arabicPeriod"/>
             </a:pPr>
             <a:r>
@@ -3269,7 +3721,7 @@
             </a:r>
           </a:p>
           <a:p>
-            <a:pPr marL="514350" indent="-514350">
+            <a:pPr marL="514350" indent="-514350" algn="ctr">
               <a:buAutoNum type="arabicPeriod"/>
             </a:pPr>
             <a:r>
@@ -3298,7 +3750,7 @@
             </a:r>
           </a:p>
           <a:p>
-            <a:pPr marL="514350" indent="-514350">
+            <a:pPr marL="514350" indent="-514350" algn="ctr">
               <a:buAutoNum type="arabicPeriod"/>
             </a:pPr>
             <a:r>
@@ -3413,7 +3865,7 @@
           </a:bodyPr>
           <a:lstStyle/>
           <a:p>
-            <a:pPr marL="0" indent="0">
+            <a:pPr marL="0" indent="0" algn="ctr">
               <a:buNone/>
             </a:pPr>
             <a:r>
@@ -3422,7 +3874,39 @@
                   <a:schemeClr val="bg1"/>
                 </a:solidFill>
               </a:rPr>
-              <a:t>LIFESTYLE - это интернет-магазин, в котором вы можете найти свой стиль и купить брендовые вещи. Наш магазин для успешных людей, которые ценят своё время и предпочитают приобретать качественную и стильную одежду на все случаи жизни. Здесь вы сможете купить новые кроссовки, стильную одежду, необходимые </a:t>
+              <a:t>LIFESTYLE - это интернет-магазин, в котором вы можете найти свой стиль и купить брендовые вещи. Наш </a:t>
+            </a:r>
+            <a:r>
+              <a:rPr lang="ru-RU" dirty="0" smtClean="0">
+                <a:solidFill>
+                  <a:schemeClr val="bg1"/>
+                </a:solidFill>
+              </a:rPr>
+              <a:t>магазин предназначен </a:t>
+            </a:r>
+            <a:r>
+              <a:rPr lang="ru-RU" dirty="0">
+                <a:solidFill>
+                  <a:schemeClr val="bg1"/>
+                </a:solidFill>
+              </a:rPr>
+              <a:t>для </a:t>
+            </a:r>
+            <a:r>
+              <a:rPr lang="ru-RU" dirty="0" smtClean="0">
+                <a:solidFill>
+                  <a:schemeClr val="bg1"/>
+                </a:solidFill>
+              </a:rPr>
+              <a:t>людей</a:t>
+            </a:r>
+            <a:r>
+              <a:rPr lang="ru-RU" dirty="0">
+                <a:solidFill>
+                  <a:schemeClr val="bg1"/>
+                </a:solidFill>
+              </a:rPr>
+              <a:t>, которые ценят своё время и предпочитают приобретать качественную и стильную одежду на все случаи жизни. Здесь вы сможете купить новые кроссовки, стильную одежду, необходимые </a:t>
             </a:r>
             <a:r>
               <a:rPr lang="ru-RU" dirty="0" err="1">
@@ -3467,8 +3951,8 @@
         </p:blipFill>
         <p:spPr>
           <a:xfrm>
-            <a:off x="1437958" y="1581784"/>
-            <a:ext cx="3662362" cy="3662362"/>
+            <a:off x="1348468" y="1385707"/>
+            <a:ext cx="4044224" cy="4044224"/>
           </a:xfrm>
         </p:spPr>
       </p:pic>
@@ -3712,7 +4196,7 @@
         </p:nvSpPr>
         <p:spPr>
           <a:xfrm>
-            <a:off x="838200" y="0"/>
+            <a:off x="768531" y="52251"/>
             <a:ext cx="10515600" cy="1325563"/>
           </a:xfrm>
         </p:spPr>
@@ -3727,7 +4211,7 @@
                   <a:schemeClr val="bg1"/>
                 </a:solidFill>
               </a:rPr>
-              <a:t>Структура сайта</a:t>
+              <a:t>Цели</a:t>
             </a:r>
             <a:endParaRPr lang="ru-RU" dirty="0">
               <a:solidFill>
@@ -3737,36 +4221,105 @@
           </a:p>
         </p:txBody>
       </p:sp>
-      <p:pic>
-        <p:nvPicPr>
-          <p:cNvPr id="7" name="Объект 6"/>
-          <p:cNvPicPr>
-            <a:picLocks noGrp="1" noChangeAspect="1"/>
-          </p:cNvPicPr>
+      <p:sp>
+        <p:nvSpPr>
+          <p:cNvPr id="3" name="Объект 2"/>
+          <p:cNvSpPr>
+            <a:spLocks noGrp="1"/>
+          </p:cNvSpPr>
           <p:nvPr>
             <p:ph idx="1"/>
           </p:nvPr>
-        </p:nvPicPr>
-        <p:blipFill>
-          <a:blip r:embed="rId2"/>
-          <a:stretch>
-            <a:fillRect/>
-          </a:stretch>
-        </p:blipFill>
-        <p:spPr>
-          <a:xfrm>
-            <a:off x="1036320" y="998470"/>
-            <a:ext cx="10119360" cy="5692140"/>
-          </a:xfrm>
-          <a:prstGeom prst="rect">
-            <a:avLst/>
-          </a:prstGeom>
-        </p:spPr>
-      </p:pic>
+        </p:nvSpPr>
+        <p:spPr>
+          <a:xfrm>
+            <a:off x="892629" y="1149531"/>
+            <a:ext cx="10515600" cy="5027432"/>
+          </a:xfrm>
+        </p:spPr>
+        <p:txBody>
+          <a:bodyPr/>
+          <a:lstStyle/>
+          <a:p>
+            <a:pPr marL="514350" indent="-514350" algn="ctr">
+              <a:buAutoNum type="arabicPeriod"/>
+            </a:pPr>
+            <a:endParaRPr lang="en-US" dirty="0" smtClean="0">
+              <a:solidFill>
+                <a:schemeClr val="bg1"/>
+              </a:solidFill>
+            </a:endParaRPr>
+          </a:p>
+          <a:p>
+            <a:pPr marL="514350" indent="-514350" algn="ctr">
+              <a:buAutoNum type="arabicPeriod"/>
+            </a:pPr>
+            <a:endParaRPr lang="ru-RU" dirty="0" smtClean="0">
+              <a:solidFill>
+                <a:schemeClr val="bg1"/>
+              </a:solidFill>
+            </a:endParaRPr>
+          </a:p>
+          <a:p>
+            <a:pPr marL="514350" indent="-514350" algn="ctr">
+              <a:buAutoNum type="arabicPeriod"/>
+            </a:pPr>
+            <a:endParaRPr lang="en-US" dirty="0">
+              <a:solidFill>
+                <a:schemeClr val="bg1"/>
+              </a:solidFill>
+            </a:endParaRPr>
+          </a:p>
+          <a:p>
+            <a:pPr marL="514350" indent="-514350" algn="ctr">
+              <a:buAutoNum type="arabicPeriod"/>
+            </a:pPr>
+            <a:r>
+              <a:rPr lang="ru-RU" dirty="0" smtClean="0">
+                <a:solidFill>
+                  <a:schemeClr val="bg1"/>
+                </a:solidFill>
+              </a:rPr>
+              <a:t>Соблюсти требования</a:t>
+            </a:r>
+          </a:p>
+          <a:p>
+            <a:pPr marL="514350" indent="-514350" algn="ctr">
+              <a:buAutoNum type="arabicPeriod"/>
+            </a:pPr>
+            <a:r>
+              <a:rPr lang="ru-RU" dirty="0" smtClean="0">
+                <a:solidFill>
+                  <a:schemeClr val="bg1"/>
+                </a:solidFill>
+              </a:rPr>
+              <a:t>Создать красивый интерфейс</a:t>
+            </a:r>
+          </a:p>
+          <a:p>
+            <a:pPr marL="514350" indent="-514350" algn="ctr">
+              <a:buAutoNum type="arabicPeriod"/>
+            </a:pPr>
+            <a:r>
+              <a:rPr lang="ru-RU" dirty="0" smtClean="0">
+                <a:solidFill>
+                  <a:schemeClr val="bg1"/>
+                </a:solidFill>
+              </a:rPr>
+              <a:t>Удовлетворенность результатом</a:t>
+            </a:r>
+            <a:endParaRPr lang="ru-RU" dirty="0" smtClean="0">
+              <a:solidFill>
+                <a:schemeClr val="bg1"/>
+              </a:solidFill>
+            </a:endParaRPr>
+          </a:p>
+        </p:txBody>
+      </p:sp>
     </p:spTree>
     <p:extLst>
       <p:ext uri="{BB962C8B-B14F-4D97-AF65-F5344CB8AC3E}">
-        <p14:creationId xmlns:p14="http://schemas.microsoft.com/office/powerpoint/2010/main" val="3453284637"/>
+        <p14:creationId xmlns:p14="http://schemas.microsoft.com/office/powerpoint/2010/main" val="544332940"/>
       </p:ext>
     </p:extLst>
   </p:cSld>
@@ -3805,7 +4358,7 @@
         </p:nvSpPr>
         <p:spPr>
           <a:xfrm>
-            <a:off x="838200" y="-227059"/>
+            <a:off x="838200" y="0"/>
             <a:ext cx="10515600" cy="1325563"/>
           </a:xfrm>
         </p:spPr>
@@ -3820,7 +4373,7 @@
                   <a:schemeClr val="bg1"/>
                 </a:solidFill>
               </a:rPr>
-              <a:t>Главный экран</a:t>
+              <a:t>Структура сайта</a:t>
             </a:r>
             <a:endParaRPr lang="ru-RU" dirty="0">
               <a:solidFill>
@@ -3832,7 +4385,7 @@
       </p:sp>
       <p:pic>
         <p:nvPicPr>
-          <p:cNvPr id="4" name="Объект 3"/>
+          <p:cNvPr id="7" name="Объект 6"/>
           <p:cNvPicPr>
             <a:picLocks noGrp="1" noChangeAspect="1"/>
           </p:cNvPicPr>
@@ -3848,32 +4401,8 @@
         </p:blipFill>
         <p:spPr>
           <a:xfrm>
-            <a:off x="437887" y="992777"/>
-            <a:ext cx="6578762" cy="3700554"/>
-          </a:xfrm>
-          <a:prstGeom prst="rect">
-            <a:avLst/>
-          </a:prstGeom>
-        </p:spPr>
-      </p:pic>
-      <p:pic>
-        <p:nvPicPr>
-          <p:cNvPr id="7" name="Рисунок 6"/>
-          <p:cNvPicPr>
-            <a:picLocks noChangeAspect="1"/>
-          </p:cNvPicPr>
-          <p:nvPr/>
-        </p:nvPicPr>
-        <p:blipFill>
-          <a:blip r:embed="rId3"/>
-          <a:stretch>
-            <a:fillRect/>
-          </a:stretch>
-        </p:blipFill>
-        <p:spPr>
-          <a:xfrm>
-            <a:off x="5486402" y="2937193"/>
-            <a:ext cx="6244044" cy="3512276"/>
+            <a:off x="1036320" y="998470"/>
+            <a:ext cx="10119360" cy="5692140"/>
           </a:xfrm>
           <a:prstGeom prst="rect">
             <a:avLst/>
@@ -3883,7 +4412,7 @@
     </p:spTree>
     <p:extLst>
       <p:ext uri="{BB962C8B-B14F-4D97-AF65-F5344CB8AC3E}">
-        <p14:creationId xmlns:p14="http://schemas.microsoft.com/office/powerpoint/2010/main" val="995348005"/>
+        <p14:creationId xmlns:p14="http://schemas.microsoft.com/office/powerpoint/2010/main" val="3453284637"/>
       </p:ext>
     </p:extLst>
   </p:cSld>
@@ -3922,7 +4451,7 @@
         </p:nvSpPr>
         <p:spPr>
           <a:xfrm>
-            <a:off x="838200" y="-322852"/>
+            <a:off x="838200" y="-65361"/>
             <a:ext cx="10515600" cy="1325563"/>
           </a:xfrm>
         </p:spPr>
@@ -3937,7 +4466,23 @@
                   <a:schemeClr val="bg1"/>
                 </a:solidFill>
               </a:rPr>
-              <a:t>Профиль</a:t>
+              <a:t>Вход</a:t>
+            </a:r>
+            <a:r>
+              <a:rPr lang="en-US" dirty="0" smtClean="0">
+                <a:solidFill>
+                  <a:schemeClr val="bg1"/>
+                </a:solidFill>
+              </a:rPr>
+              <a:t>/</a:t>
+            </a:r>
+            <a:r>
+              <a:rPr lang="ru-RU" dirty="0" smtClean="0">
+                <a:solidFill>
+                  <a:schemeClr val="bg1"/>
+                </a:solidFill>
+              </a:rPr>
+              <a:t>Регистрация</a:t>
             </a:r>
             <a:endParaRPr lang="ru-RU" dirty="0">
               <a:solidFill>
@@ -3958,35 +4503,77 @@
           </p:nvPr>
         </p:nvSpPr>
         <p:spPr>
-          <a:xfrm>
-            <a:off x="838200" y="1515291"/>
-            <a:ext cx="10515600" cy="4661672"/>
-          </a:xfrm>
-        </p:spPr>
-        <p:txBody>
-          <a:bodyPr/>
-          <a:lstStyle/>
-          <a:p>
-            <a:pPr marL="0" indent="0">
-              <a:buNone/>
-            </a:pPr>
+          <a:xfrm flipV="1">
+            <a:off x="838200" y="6176962"/>
+            <a:ext cx="311331" cy="179705"/>
+          </a:xfrm>
+        </p:spPr>
+        <p:txBody>
+          <a:bodyPr>
+            <a:normAutofit fontScale="25000" lnSpcReduction="20000"/>
+          </a:bodyPr>
+          <a:lstStyle/>
+          <a:p>
             <a:r>
               <a:rPr lang="ru-RU" dirty="0" smtClean="0"/>
-              <a:t>В разработке</a:t>
-            </a:r>
-          </a:p>
-          <a:p>
-            <a:pPr marL="0" indent="0">
-              <a:buNone/>
-            </a:pPr>
+              <a:t>  </a:t>
+            </a:r>
             <a:endParaRPr lang="ru-RU" dirty="0"/>
           </a:p>
         </p:txBody>
       </p:sp>
+      <p:pic>
+        <p:nvPicPr>
+          <p:cNvPr id="5" name="Рисунок 4"/>
+          <p:cNvPicPr>
+            <a:picLocks noChangeAspect="1"/>
+          </p:cNvPicPr>
+          <p:nvPr/>
+        </p:nvPicPr>
+        <p:blipFill>
+          <a:blip r:embed="rId2"/>
+          <a:stretch>
+            <a:fillRect/>
+          </a:stretch>
+        </p:blipFill>
+        <p:spPr>
+          <a:xfrm>
+            <a:off x="383177" y="949778"/>
+            <a:ext cx="6461760" cy="3634740"/>
+          </a:xfrm>
+          <a:prstGeom prst="rect">
+            <a:avLst/>
+          </a:prstGeom>
+        </p:spPr>
+      </p:pic>
+      <p:pic>
+        <p:nvPicPr>
+          <p:cNvPr id="6" name="Рисунок 5"/>
+          <p:cNvPicPr>
+            <a:picLocks noChangeAspect="1"/>
+          </p:cNvPicPr>
+          <p:nvPr/>
+        </p:nvPicPr>
+        <p:blipFill>
+          <a:blip r:embed="rId3"/>
+          <a:stretch>
+            <a:fillRect/>
+          </a:stretch>
+        </p:blipFill>
+        <p:spPr>
+          <a:xfrm>
+            <a:off x="5281426" y="2896189"/>
+            <a:ext cx="6631900" cy="3730444"/>
+          </a:xfrm>
+          <a:prstGeom prst="rect">
+            <a:avLst/>
+          </a:prstGeom>
+        </p:spPr>
+      </p:pic>
     </p:spTree>
     <p:extLst>
       <p:ext uri="{BB962C8B-B14F-4D97-AF65-F5344CB8AC3E}">
-        <p14:creationId xmlns:p14="http://schemas.microsoft.com/office/powerpoint/2010/main" val="3593570126"/>
+        <p14:creationId xmlns:p14="http://schemas.microsoft.com/office/powerpoint/2010/main" val="3265266863"/>
       </p:ext>
     </p:extLst>
   </p:cSld>
@@ -4025,7 +4612,7 @@
         </p:nvSpPr>
         <p:spPr>
           <a:xfrm>
-            <a:off x="838200" y="-244475"/>
+            <a:off x="838200" y="0"/>
             <a:ext cx="10515600" cy="1325563"/>
           </a:xfrm>
         </p:spPr>
@@ -4040,7 +4627,7 @@
                   <a:schemeClr val="bg1"/>
                 </a:solidFill>
               </a:rPr>
-              <a:t>Страница выбора товаров</a:t>
+              <a:t>Код подтверждения</a:t>
             </a:r>
             <a:endParaRPr lang="ru-RU" dirty="0">
               <a:solidFill>
@@ -4052,7 +4639,7 @@
       </p:sp>
       <p:pic>
         <p:nvPicPr>
-          <p:cNvPr id="8" name="Объект 7"/>
+          <p:cNvPr id="7" name="Объект 6"/>
           <p:cNvPicPr>
             <a:picLocks noGrp="1" noChangeAspect="1"/>
           </p:cNvPicPr>
@@ -4061,15 +4648,21 @@
           </p:nvPr>
         </p:nvPicPr>
         <p:blipFill>
-          <a:blip r:embed="rId2"/>
+          <a:blip r:embed="rId2">
+            <a:extLst>
+              <a:ext uri="{28A0092B-C50C-407E-A947-70E740481C1C}">
+                <a14:useLocalDpi xmlns:a14="http://schemas.microsoft.com/office/drawing/2010/main" val="0"/>
+              </a:ext>
+            </a:extLst>
+          </a:blip>
           <a:stretch>
             <a:fillRect/>
           </a:stretch>
         </p:blipFill>
         <p:spPr>
           <a:xfrm>
-            <a:off x="1123406" y="977787"/>
-            <a:ext cx="9945188" cy="5594168"/>
+            <a:off x="1036320" y="1375277"/>
+            <a:ext cx="10119360" cy="4938525"/>
           </a:xfrm>
           <a:prstGeom prst="rect">
             <a:avLst/>
@@ -4079,7 +4672,7 @@
     </p:spTree>
     <p:extLst>
       <p:ext uri="{BB962C8B-B14F-4D97-AF65-F5344CB8AC3E}">
-        <p14:creationId xmlns:p14="http://schemas.microsoft.com/office/powerpoint/2010/main" val="416182151"/>
+        <p14:creationId xmlns:p14="http://schemas.microsoft.com/office/powerpoint/2010/main" val="597804766"/>
       </p:ext>
     </p:extLst>
   </p:cSld>
@@ -4118,7 +4711,7 @@
         </p:nvSpPr>
         <p:spPr>
           <a:xfrm>
-            <a:off x="838200" y="-218349"/>
+            <a:off x="838200" y="-227059"/>
             <a:ext cx="10515600" cy="1325563"/>
           </a:xfrm>
         </p:spPr>
@@ -4133,7 +4726,7 @@
                   <a:schemeClr val="bg1"/>
                 </a:solidFill>
               </a:rPr>
-              <a:t>Полная информация о товаре</a:t>
+              <a:t>Главный экран</a:t>
             </a:r>
             <a:endParaRPr lang="ru-RU" dirty="0">
               <a:solidFill>
@@ -4161,8 +4754,32 @@
         </p:blipFill>
         <p:spPr>
           <a:xfrm>
-            <a:off x="1001486" y="978876"/>
-            <a:ext cx="10189028" cy="5731328"/>
+            <a:off x="437887" y="992777"/>
+            <a:ext cx="6578762" cy="3700554"/>
+          </a:xfrm>
+          <a:prstGeom prst="rect">
+            <a:avLst/>
+          </a:prstGeom>
+        </p:spPr>
+      </p:pic>
+      <p:pic>
+        <p:nvPicPr>
+          <p:cNvPr id="7" name="Рисунок 6"/>
+          <p:cNvPicPr>
+            <a:picLocks noChangeAspect="1"/>
+          </p:cNvPicPr>
+          <p:nvPr/>
+        </p:nvPicPr>
+        <p:blipFill>
+          <a:blip r:embed="rId3"/>
+          <a:stretch>
+            <a:fillRect/>
+          </a:stretch>
+        </p:blipFill>
+        <p:spPr>
+          <a:xfrm>
+            <a:off x="5486402" y="2937193"/>
+            <a:ext cx="6244044" cy="3512276"/>
           </a:xfrm>
           <a:prstGeom prst="rect">
             <a:avLst/>
@@ -4172,7 +4789,7 @@
     </p:spTree>
     <p:extLst>
       <p:ext uri="{BB962C8B-B14F-4D97-AF65-F5344CB8AC3E}">
-        <p14:creationId xmlns:p14="http://schemas.microsoft.com/office/powerpoint/2010/main" val="2349777655"/>
+        <p14:creationId xmlns:p14="http://schemas.microsoft.com/office/powerpoint/2010/main" val="995348005"/>
       </p:ext>
     </p:extLst>
   </p:cSld>
@@ -4211,7 +4828,7 @@
         </p:nvSpPr>
         <p:spPr>
           <a:xfrm>
-            <a:off x="838200" y="-113846"/>
+            <a:off x="838200" y="-124598"/>
             <a:ext cx="10515600" cy="1325563"/>
           </a:xfrm>
         </p:spPr>
@@ -4226,7 +4843,7 @@
                   <a:schemeClr val="bg1"/>
                 </a:solidFill>
               </a:rPr>
-              <a:t>Избранное</a:t>
+              <a:t>Профиль</a:t>
             </a:r>
             <a:endParaRPr lang="ru-RU" dirty="0">
               <a:solidFill>
@@ -4246,7 +4863,12 @@
             <p:ph idx="1"/>
           </p:nvPr>
         </p:nvSpPr>
-        <p:spPr/>
+        <p:spPr>
+          <a:xfrm>
+            <a:off x="838200" y="1515291"/>
+            <a:ext cx="10515600" cy="4661672"/>
+          </a:xfrm>
+        </p:spPr>
         <p:txBody>
           <a:bodyPr/>
           <a:lstStyle/>
@@ -4255,17 +4877,41 @@
               <a:buNone/>
             </a:pPr>
             <a:r>
-              <a:rPr lang="ru-RU" dirty="0" smtClean="0"/>
-              <a:t>В разработке</a:t>
+              <a:rPr lang="en-US" dirty="0" smtClean="0"/>
+              <a:t> </a:t>
             </a:r>
             <a:endParaRPr lang="ru-RU" dirty="0"/>
           </a:p>
         </p:txBody>
       </p:sp>
+      <p:pic>
+        <p:nvPicPr>
+          <p:cNvPr id="4" name="Рисунок 3"/>
+          <p:cNvPicPr>
+            <a:picLocks noChangeAspect="1"/>
+          </p:cNvPicPr>
+          <p:nvPr/>
+        </p:nvPicPr>
+        <p:blipFill>
+          <a:blip r:embed="rId2"/>
+          <a:stretch>
+            <a:fillRect/>
+          </a:stretch>
+        </p:blipFill>
+        <p:spPr>
+          <a:xfrm>
+            <a:off x="1380790" y="1002711"/>
+            <a:ext cx="9757472" cy="5488578"/>
+          </a:xfrm>
+          <a:prstGeom prst="rect">
+            <a:avLst/>
+          </a:prstGeom>
+        </p:spPr>
+      </p:pic>
     </p:spTree>
     <p:extLst>
       <p:ext uri="{BB962C8B-B14F-4D97-AF65-F5344CB8AC3E}">
-        <p14:creationId xmlns:p14="http://schemas.microsoft.com/office/powerpoint/2010/main" val="998200830"/>
+        <p14:creationId xmlns:p14="http://schemas.microsoft.com/office/powerpoint/2010/main" val="3593570126"/>
       </p:ext>
     </p:extLst>
   </p:cSld>
@@ -4304,7 +4950,7 @@
         </p:nvSpPr>
         <p:spPr>
           <a:xfrm>
-            <a:off x="838200" y="-305435"/>
+            <a:off x="838200" y="-124598"/>
             <a:ext cx="10515600" cy="1325563"/>
           </a:xfrm>
         </p:spPr>
@@ -4319,7 +4965,7 @@
                   <a:schemeClr val="bg1"/>
                 </a:solidFill>
               </a:rPr>
-              <a:t>Корзина</a:t>
+              <a:t>Настройки аккаунта</a:t>
             </a:r>
             <a:endParaRPr lang="ru-RU" dirty="0">
               <a:solidFill>
@@ -4329,15 +4975,44 @@
           </a:p>
         </p:txBody>
       </p:sp>
+      <p:sp>
+        <p:nvSpPr>
+          <p:cNvPr id="3" name="Объект 2"/>
+          <p:cNvSpPr>
+            <a:spLocks noGrp="1"/>
+          </p:cNvSpPr>
+          <p:nvPr>
+            <p:ph idx="1"/>
+          </p:nvPr>
+        </p:nvSpPr>
+        <p:spPr>
+          <a:xfrm>
+            <a:off x="838200" y="1515291"/>
+            <a:ext cx="10515600" cy="4661672"/>
+          </a:xfrm>
+        </p:spPr>
+        <p:txBody>
+          <a:bodyPr/>
+          <a:lstStyle/>
+          <a:p>
+            <a:pPr marL="0" indent="0">
+              <a:buNone/>
+            </a:pPr>
+            <a:r>
+              <a:rPr lang="en-US" dirty="0" smtClean="0"/>
+              <a:t> </a:t>
+            </a:r>
+            <a:endParaRPr lang="ru-RU" dirty="0"/>
+          </a:p>
+        </p:txBody>
+      </p:sp>
       <p:pic>
         <p:nvPicPr>
-          <p:cNvPr id="4" name="Объект 3"/>
+          <p:cNvPr id="5" name="Рисунок 4"/>
           <p:cNvPicPr>
-            <a:picLocks noGrp="1" noChangeAspect="1"/>
+            <a:picLocks noChangeAspect="1"/>
           </p:cNvPicPr>
-          <p:nvPr>
-            <p:ph idx="1"/>
-          </p:nvPr>
+          <p:nvPr/>
         </p:nvPicPr>
         <p:blipFill>
           <a:blip r:embed="rId2"/>
@@ -4347,8 +5022,32 @@
         </p:blipFill>
         <p:spPr>
           <a:xfrm>
-            <a:off x="1085506" y="836023"/>
-            <a:ext cx="10020988" cy="5636806"/>
+            <a:off x="484412" y="1056321"/>
+            <a:ext cx="7349312" cy="4133988"/>
+          </a:xfrm>
+          <a:prstGeom prst="rect">
+            <a:avLst/>
+          </a:prstGeom>
+        </p:spPr>
+      </p:pic>
+      <p:pic>
+        <p:nvPicPr>
+          <p:cNvPr id="6" name="Рисунок 5"/>
+          <p:cNvPicPr>
+            <a:picLocks noChangeAspect="1"/>
+          </p:cNvPicPr>
+          <p:nvPr/>
+        </p:nvPicPr>
+        <p:blipFill>
+          <a:blip r:embed="rId3"/>
+          <a:stretch>
+            <a:fillRect/>
+          </a:stretch>
+        </p:blipFill>
+        <p:spPr>
+          <a:xfrm>
+            <a:off x="5158132" y="2831237"/>
+            <a:ext cx="6769952" cy="3808098"/>
           </a:xfrm>
           <a:prstGeom prst="rect">
             <a:avLst/>
@@ -4358,7 +5057,7 @@
     </p:spTree>
     <p:extLst>
       <p:ext uri="{BB962C8B-B14F-4D97-AF65-F5344CB8AC3E}">
-        <p14:creationId xmlns:p14="http://schemas.microsoft.com/office/powerpoint/2010/main" val="2592741497"/>
+        <p14:creationId xmlns:p14="http://schemas.microsoft.com/office/powerpoint/2010/main" val="2699339760"/>
       </p:ext>
     </p:extLst>
   </p:cSld>

--- a/about/presentation.pptx
+++ b/about/presentation.pptx
@@ -256,7 +256,7 @@
           <a:p>
             <a:fld id="{FAE24D2C-E34F-4AE0-87E8-F5455E14F950}" type="datetimeFigureOut">
               <a:rPr lang="ru-RU" smtClean="0"/>
-              <a:t>23.04.2023</a:t>
+              <a:t>24.04.2023</a:t>
             </a:fld>
             <a:endParaRPr lang="ru-RU"/>
           </a:p>
@@ -426,7 +426,7 @@
           <a:p>
             <a:fld id="{FAE24D2C-E34F-4AE0-87E8-F5455E14F950}" type="datetimeFigureOut">
               <a:rPr lang="ru-RU" smtClean="0"/>
-              <a:t>23.04.2023</a:t>
+              <a:t>24.04.2023</a:t>
             </a:fld>
             <a:endParaRPr lang="ru-RU"/>
           </a:p>
@@ -606,7 +606,7 @@
           <a:p>
             <a:fld id="{FAE24D2C-E34F-4AE0-87E8-F5455E14F950}" type="datetimeFigureOut">
               <a:rPr lang="ru-RU" smtClean="0"/>
-              <a:t>23.04.2023</a:t>
+              <a:t>24.04.2023</a:t>
             </a:fld>
             <a:endParaRPr lang="ru-RU"/>
           </a:p>
@@ -776,7 +776,7 @@
           <a:p>
             <a:fld id="{FAE24D2C-E34F-4AE0-87E8-F5455E14F950}" type="datetimeFigureOut">
               <a:rPr lang="ru-RU" smtClean="0"/>
-              <a:t>23.04.2023</a:t>
+              <a:t>24.04.2023</a:t>
             </a:fld>
             <a:endParaRPr lang="ru-RU"/>
           </a:p>
@@ -1022,7 +1022,7 @@
           <a:p>
             <a:fld id="{FAE24D2C-E34F-4AE0-87E8-F5455E14F950}" type="datetimeFigureOut">
               <a:rPr lang="ru-RU" smtClean="0"/>
-              <a:t>23.04.2023</a:t>
+              <a:t>24.04.2023</a:t>
             </a:fld>
             <a:endParaRPr lang="ru-RU"/>
           </a:p>
@@ -1254,7 +1254,7 @@
           <a:p>
             <a:fld id="{FAE24D2C-E34F-4AE0-87E8-F5455E14F950}" type="datetimeFigureOut">
               <a:rPr lang="ru-RU" smtClean="0"/>
-              <a:t>23.04.2023</a:t>
+              <a:t>24.04.2023</a:t>
             </a:fld>
             <a:endParaRPr lang="ru-RU"/>
           </a:p>
@@ -1621,7 +1621,7 @@
           <a:p>
             <a:fld id="{FAE24D2C-E34F-4AE0-87E8-F5455E14F950}" type="datetimeFigureOut">
               <a:rPr lang="ru-RU" smtClean="0"/>
-              <a:t>23.04.2023</a:t>
+              <a:t>24.04.2023</a:t>
             </a:fld>
             <a:endParaRPr lang="ru-RU"/>
           </a:p>
@@ -1739,7 +1739,7 @@
           <a:p>
             <a:fld id="{FAE24D2C-E34F-4AE0-87E8-F5455E14F950}" type="datetimeFigureOut">
               <a:rPr lang="ru-RU" smtClean="0"/>
-              <a:t>23.04.2023</a:t>
+              <a:t>24.04.2023</a:t>
             </a:fld>
             <a:endParaRPr lang="ru-RU"/>
           </a:p>
@@ -1834,7 +1834,7 @@
           <a:p>
             <a:fld id="{FAE24D2C-E34F-4AE0-87E8-F5455E14F950}" type="datetimeFigureOut">
               <a:rPr lang="ru-RU" smtClean="0"/>
-              <a:t>23.04.2023</a:t>
+              <a:t>24.04.2023</a:t>
             </a:fld>
             <a:endParaRPr lang="ru-RU"/>
           </a:p>
@@ -2111,7 +2111,7 @@
           <a:p>
             <a:fld id="{FAE24D2C-E34F-4AE0-87E8-F5455E14F950}" type="datetimeFigureOut">
               <a:rPr lang="ru-RU" smtClean="0"/>
-              <a:t>23.04.2023</a:t>
+              <a:t>24.04.2023</a:t>
             </a:fld>
             <a:endParaRPr lang="ru-RU"/>
           </a:p>
@@ -2364,7 +2364,7 @@
           <a:p>
             <a:fld id="{FAE24D2C-E34F-4AE0-87E8-F5455E14F950}" type="datetimeFigureOut">
               <a:rPr lang="ru-RU" smtClean="0"/>
-              <a:t>23.04.2023</a:t>
+              <a:t>24.04.2023</a:t>
             </a:fld>
             <a:endParaRPr lang="ru-RU"/>
           </a:p>
@@ -2586,7 +2586,7 @@
           <a:p>
             <a:fld id="{FAE24D2C-E34F-4AE0-87E8-F5455E14F950}" type="datetimeFigureOut">
               <a:rPr lang="ru-RU" smtClean="0"/>
-              <a:t>23.04.2023</a:t>
+              <a:t>24.04.2023</a:t>
             </a:fld>
             <a:endParaRPr lang="ru-RU"/>
           </a:p>
@@ -3667,15 +3667,7 @@
                   <a:schemeClr val="bg1"/>
                 </a:solidFill>
               </a:rPr>
-              <a:t>Результат </a:t>
-            </a:r>
-            <a:r>
-              <a:rPr lang="ru-RU" dirty="0" smtClean="0">
-                <a:solidFill>
-                  <a:schemeClr val="bg1"/>
-                </a:solidFill>
-              </a:rPr>
-              <a:t>соответствует ТЗ</a:t>
+              <a:t>Результат соответствует ТЗ</a:t>
             </a:r>
           </a:p>
           <a:p>
@@ -4308,11 +4300,6 @@
               </a:rPr>
               <a:t>Удовлетворенность результатом</a:t>
             </a:r>
-            <a:endParaRPr lang="ru-RU" dirty="0" smtClean="0">
-              <a:solidFill>
-                <a:schemeClr val="bg1"/>
-              </a:solidFill>
-            </a:endParaRPr>
           </a:p>
         </p:txBody>
       </p:sp>
@@ -4661,8 +4648,8 @@
         </p:blipFill>
         <p:spPr>
           <a:xfrm>
-            <a:off x="1036320" y="1375277"/>
-            <a:ext cx="10119360" cy="4938525"/>
+            <a:off x="1036320" y="1395378"/>
+            <a:ext cx="10119360" cy="4898323"/>
           </a:xfrm>
           <a:prstGeom prst="rect">
             <a:avLst/>
